--- a/Custom Core from HDL with APB Interface.pptx
+++ b/Custom Core from HDL with APB Interface.pptx
@@ -21494,7 +21494,17 @@
             </a:pPr>
             <a:r>
               <a:rPr lang="en-US" sz="2200" dirty="0"/>
-              <a:t>You can download the source files here. </a:t>
+              <a:t>You can download the source files </a:t>
+            </a:r>
+            <a:r>
+              <a:rPr lang="en-US" sz="2200" dirty="0">
+                <a:hlinkClick r:id="rId2"/>
+              </a:rPr>
+              <a:t>here</a:t>
+            </a:r>
+            <a:r>
+              <a:rPr lang="en-US" sz="2200" dirty="0"/>
+              <a:t>. </a:t>
             </a:r>
           </a:p>
           <a:p>
@@ -21548,7 +21558,7 @@
           <p:nvPr/>
         </p:nvPicPr>
         <p:blipFill>
-          <a:blip r:embed="rId2"/>
+          <a:blip r:embed="rId3"/>
           <a:stretch>
             <a:fillRect/>
           </a:stretch>
@@ -22412,8 +22422,14 @@
               </a:spcAft>
             </a:pPr>
             <a:r>
+              <a:rPr lang="en-US" sz="2200" dirty="0">
+                <a:hlinkClick r:id="rId2"/>
+              </a:rPr>
+              <a:t>Here</a:t>
+            </a:r>
+            <a:r>
               <a:rPr lang="en-US" sz="2200" dirty="0"/>
-              <a:t>Here is the source code for the modified </a:t>
+              <a:t> is the source code for the modified </a:t>
             </a:r>
             <a:r>
               <a:rPr lang="en-US" sz="2200" dirty="0" err="1"/>
@@ -22457,7 +22473,7 @@
           <p:nvPr/>
         </p:nvPicPr>
         <p:blipFill>
-          <a:blip r:embed="rId2"/>
+          <a:blip r:embed="rId3"/>
           <a:stretch>
             <a:fillRect/>
           </a:stretch>
@@ -22527,7 +22543,7 @@
               <p:nvPr/>
             </p:nvPicPr>
             <p:blipFill>
-              <a:blip r:embed="rId3"/>
+              <a:blip r:embed="rId4"/>
               <a:stretch>
                 <a:fillRect/>
               </a:stretch>
@@ -22744,7 +22760,7 @@
               <p:nvPr/>
             </p:nvPicPr>
             <p:blipFill rotWithShape="1">
-              <a:blip r:embed="rId4"/>
+              <a:blip r:embed="rId5"/>
               <a:srcRect t="1416"/>
               <a:stretch/>
             </p:blipFill>
@@ -27983,7 +27999,17 @@
             </a:pPr>
             <a:r>
               <a:rPr lang="en-US" dirty="0"/>
-              <a:t>Enter the Verilog code to add two 8-bit numbers</a:t>
+              <a:t>Enter the </a:t>
+            </a:r>
+            <a:r>
+              <a:rPr lang="en-US" dirty="0">
+                <a:hlinkClick r:id="rId2"/>
+              </a:rPr>
+              <a:t>Verilog code</a:t>
+            </a:r>
+            <a:r>
+              <a:rPr lang="en-US" dirty="0"/>
+              <a:t> to add two 8-bit numbers</a:t>
             </a:r>
           </a:p>
           <a:p>
@@ -28323,7 +28349,7 @@
             <p:nvPr/>
           </p:nvPicPr>
           <p:blipFill>
-            <a:blip r:embed="rId2"/>
+            <a:blip r:embed="rId3"/>
             <a:stretch>
               <a:fillRect/>
             </a:stretch>
@@ -28410,7 +28436,7 @@
             <p:nvPr/>
           </p:nvPicPr>
           <p:blipFill>
-            <a:blip r:embed="rId3"/>
+            <a:blip r:embed="rId4"/>
             <a:stretch>
               <a:fillRect/>
             </a:stretch>

--- a/Custom Core from HDL with APB Interface.pptx
+++ b/Custom Core from HDL with APB Interface.pptx
@@ -225,7 +225,7 @@
           <a:p>
             <a:fld id="{FB9A324F-0E12-4249-B222-9A2A35FEBB3B}" type="datetimeFigureOut">
               <a:rPr lang="en-US" smtClean="0"/>
-              <a:t>1/21/2021</a:t>
+              <a:t>1/22/2021</a:t>
             </a:fld>
             <a:endParaRPr lang="en-US"/>
           </a:p>
@@ -9285,7 +9285,7 @@
           <a:p>
             <a:fld id="{02EE89BC-6575-45C3-BF9B-DA9153772B8E}" type="datetimeFigureOut">
               <a:rPr lang="en-US" smtClean="0"/>
-              <a:t>1/21/2021</a:t>
+              <a:t>1/22/2021</a:t>
             </a:fld>
             <a:endParaRPr lang="en-US"/>
           </a:p>
@@ -9492,7 +9492,7 @@
           <a:p>
             <a:fld id="{02EE89BC-6575-45C3-BF9B-DA9153772B8E}" type="datetimeFigureOut">
               <a:rPr lang="en-US" smtClean="0"/>
-              <a:t>1/21/2021</a:t>
+              <a:t>1/22/2021</a:t>
             </a:fld>
             <a:endParaRPr lang="en-US"/>
           </a:p>
@@ -9672,7 +9672,7 @@
           <a:p>
             <a:fld id="{02EE89BC-6575-45C3-BF9B-DA9153772B8E}" type="datetimeFigureOut">
               <a:rPr lang="en-US" smtClean="0"/>
-              <a:t>1/21/2021</a:t>
+              <a:t>1/22/2021</a:t>
             </a:fld>
             <a:endParaRPr lang="en-US"/>
           </a:p>
@@ -9877,7 +9877,7 @@
           <a:p>
             <a:fld id="{02EE89BC-6575-45C3-BF9B-DA9153772B8E}" type="datetimeFigureOut">
               <a:rPr lang="en-US" smtClean="0"/>
-              <a:t>1/21/2021</a:t>
+              <a:t>1/22/2021</a:t>
             </a:fld>
             <a:endParaRPr lang="en-US"/>
           </a:p>
@@ -18775,7 +18775,7 @@
           <a:p>
             <a:fld id="{02EE89BC-6575-45C3-BF9B-DA9153772B8E}" type="datetimeFigureOut">
               <a:rPr lang="en-US" smtClean="0"/>
-              <a:t>1/21/2021</a:t>
+              <a:t>1/22/2021</a:t>
             </a:fld>
             <a:endParaRPr lang="en-US"/>
           </a:p>
@@ -19049,7 +19049,7 @@
           <a:p>
             <a:fld id="{02EE89BC-6575-45C3-BF9B-DA9153772B8E}" type="datetimeFigureOut">
               <a:rPr lang="en-US" smtClean="0"/>
-              <a:t>1/21/2021</a:t>
+              <a:t>1/22/2021</a:t>
             </a:fld>
             <a:endParaRPr lang="en-US"/>
           </a:p>
@@ -19447,7 +19447,7 @@
           <a:p>
             <a:fld id="{02EE89BC-6575-45C3-BF9B-DA9153772B8E}" type="datetimeFigureOut">
               <a:rPr lang="en-US" smtClean="0"/>
-              <a:t>1/21/2021</a:t>
+              <a:t>1/22/2021</a:t>
             </a:fld>
             <a:endParaRPr lang="en-US"/>
           </a:p>
@@ -19565,7 +19565,7 @@
           <a:p>
             <a:fld id="{02EE89BC-6575-45C3-BF9B-DA9153772B8E}" type="datetimeFigureOut">
               <a:rPr lang="en-US" smtClean="0"/>
-              <a:t>1/21/2021</a:t>
+              <a:t>1/22/2021</a:t>
             </a:fld>
             <a:endParaRPr lang="en-US"/>
           </a:p>
@@ -19660,7 +19660,7 @@
           <a:p>
             <a:fld id="{02EE89BC-6575-45C3-BF9B-DA9153772B8E}" type="datetimeFigureOut">
               <a:rPr lang="en-US" smtClean="0"/>
-              <a:t>1/21/2021</a:t>
+              <a:t>1/22/2021</a:t>
             </a:fld>
             <a:endParaRPr lang="en-US"/>
           </a:p>
@@ -19950,7 +19950,7 @@
           <a:p>
             <a:fld id="{02EE89BC-6575-45C3-BF9B-DA9153772B8E}" type="datetimeFigureOut">
               <a:rPr lang="en-US" smtClean="0"/>
-              <a:t>1/21/2021</a:t>
+              <a:t>1/22/2021</a:t>
             </a:fld>
             <a:endParaRPr lang="en-US"/>
           </a:p>
@@ -20230,7 +20230,7 @@
           <a:p>
             <a:fld id="{02EE89BC-6575-45C3-BF9B-DA9153772B8E}" type="datetimeFigureOut">
               <a:rPr lang="en-US" smtClean="0"/>
-              <a:t>1/21/2021</a:t>
+              <a:t>1/22/2021</a:t>
             </a:fld>
             <a:endParaRPr lang="en-US"/>
           </a:p>
@@ -20483,7 +20483,7 @@
           <a:p>
             <a:fld id="{02EE89BC-6575-45C3-BF9B-DA9153772B8E}" type="datetimeFigureOut">
               <a:rPr lang="en-US" smtClean="0"/>
-              <a:t>1/21/2021</a:t>
+              <a:t>1/22/2021</a:t>
             </a:fld>
             <a:endParaRPr lang="en-US"/>
           </a:p>

--- a/Custom Core from HDL with APB Interface.pptx
+++ b/Custom Core from HDL with APB Interface.pptx
@@ -225,7 +225,7 @@
           <a:p>
             <a:fld id="{FB9A324F-0E12-4249-B222-9A2A35FEBB3B}" type="datetimeFigureOut">
               <a:rPr lang="en-US" smtClean="0"/>
-              <a:t>1/22/2021</a:t>
+              <a:t>1/27/2021</a:t>
             </a:fld>
             <a:endParaRPr lang="en-US"/>
           </a:p>
@@ -9285,7 +9285,7 @@
           <a:p>
             <a:fld id="{02EE89BC-6575-45C3-BF9B-DA9153772B8E}" type="datetimeFigureOut">
               <a:rPr lang="en-US" smtClean="0"/>
-              <a:t>1/22/2021</a:t>
+              <a:t>1/27/2021</a:t>
             </a:fld>
             <a:endParaRPr lang="en-US"/>
           </a:p>
@@ -9492,7 +9492,7 @@
           <a:p>
             <a:fld id="{02EE89BC-6575-45C3-BF9B-DA9153772B8E}" type="datetimeFigureOut">
               <a:rPr lang="en-US" smtClean="0"/>
-              <a:t>1/22/2021</a:t>
+              <a:t>1/27/2021</a:t>
             </a:fld>
             <a:endParaRPr lang="en-US"/>
           </a:p>
@@ -9672,7 +9672,7 @@
           <a:p>
             <a:fld id="{02EE89BC-6575-45C3-BF9B-DA9153772B8E}" type="datetimeFigureOut">
               <a:rPr lang="en-US" smtClean="0"/>
-              <a:t>1/22/2021</a:t>
+              <a:t>1/27/2021</a:t>
             </a:fld>
             <a:endParaRPr lang="en-US"/>
           </a:p>
@@ -9877,7 +9877,7 @@
           <a:p>
             <a:fld id="{02EE89BC-6575-45C3-BF9B-DA9153772B8E}" type="datetimeFigureOut">
               <a:rPr lang="en-US" smtClean="0"/>
-              <a:t>1/22/2021</a:t>
+              <a:t>1/27/2021</a:t>
             </a:fld>
             <a:endParaRPr lang="en-US"/>
           </a:p>
@@ -18775,7 +18775,7 @@
           <a:p>
             <a:fld id="{02EE89BC-6575-45C3-BF9B-DA9153772B8E}" type="datetimeFigureOut">
               <a:rPr lang="en-US" smtClean="0"/>
-              <a:t>1/22/2021</a:t>
+              <a:t>1/27/2021</a:t>
             </a:fld>
             <a:endParaRPr lang="en-US"/>
           </a:p>
@@ -19049,7 +19049,7 @@
           <a:p>
             <a:fld id="{02EE89BC-6575-45C3-BF9B-DA9153772B8E}" type="datetimeFigureOut">
               <a:rPr lang="en-US" smtClean="0"/>
-              <a:t>1/22/2021</a:t>
+              <a:t>1/27/2021</a:t>
             </a:fld>
             <a:endParaRPr lang="en-US"/>
           </a:p>
@@ -19447,7 +19447,7 @@
           <a:p>
             <a:fld id="{02EE89BC-6575-45C3-BF9B-DA9153772B8E}" type="datetimeFigureOut">
               <a:rPr lang="en-US" smtClean="0"/>
-              <a:t>1/22/2021</a:t>
+              <a:t>1/27/2021</a:t>
             </a:fld>
             <a:endParaRPr lang="en-US"/>
           </a:p>
@@ -19565,7 +19565,7 @@
           <a:p>
             <a:fld id="{02EE89BC-6575-45C3-BF9B-DA9153772B8E}" type="datetimeFigureOut">
               <a:rPr lang="en-US" smtClean="0"/>
-              <a:t>1/22/2021</a:t>
+              <a:t>1/27/2021</a:t>
             </a:fld>
             <a:endParaRPr lang="en-US"/>
           </a:p>
@@ -19660,7 +19660,7 @@
           <a:p>
             <a:fld id="{02EE89BC-6575-45C3-BF9B-DA9153772B8E}" type="datetimeFigureOut">
               <a:rPr lang="en-US" smtClean="0"/>
-              <a:t>1/22/2021</a:t>
+              <a:t>1/27/2021</a:t>
             </a:fld>
             <a:endParaRPr lang="en-US"/>
           </a:p>
@@ -19950,7 +19950,7 @@
           <a:p>
             <a:fld id="{02EE89BC-6575-45C3-BF9B-DA9153772B8E}" type="datetimeFigureOut">
               <a:rPr lang="en-US" smtClean="0"/>
-              <a:t>1/22/2021</a:t>
+              <a:t>1/27/2021</a:t>
             </a:fld>
             <a:endParaRPr lang="en-US"/>
           </a:p>
@@ -20230,7 +20230,7 @@
           <a:p>
             <a:fld id="{02EE89BC-6575-45C3-BF9B-DA9153772B8E}" type="datetimeFigureOut">
               <a:rPr lang="en-US" smtClean="0"/>
-              <a:t>1/22/2021</a:t>
+              <a:t>1/27/2021</a:t>
             </a:fld>
             <a:endParaRPr lang="en-US"/>
           </a:p>
@@ -20483,7 +20483,7 @@
           <a:p>
             <a:fld id="{02EE89BC-6575-45C3-BF9B-DA9153772B8E}" type="datetimeFigureOut">
               <a:rPr lang="en-US" smtClean="0"/>
-              <a:t>1/22/2021</a:t>
+              <a:t>1/27/2021</a:t>
             </a:fld>
             <a:endParaRPr lang="en-US"/>
           </a:p>
@@ -21477,7 +21477,7 @@
             </a:pPr>
             <a:r>
               <a:rPr lang="en-US" dirty="0"/>
-              <a:t>Add the code in Appendix A, B, C.</a:t>
+              <a:t>Add the code in Appendix A, B, C to the respective files.</a:t>
             </a:r>
           </a:p>
           <a:p>
@@ -21537,7 +21537,7 @@
             </a:r>
             <a:r>
               <a:rPr lang="en-US" sz="2200" dirty="0"/>
-              <a:t>to the one found in Step 7</a:t>
+              <a:t>to the one found in Step 7 #5</a:t>
             </a:r>
             <a:endParaRPr lang="en-US" sz="2200" b="1" dirty="0"/>
           </a:p>
@@ -22350,12 +22350,16 @@
               <a:t>main.c</a:t>
             </a:r>
             <a:r>
+              <a:rPr lang="en-US" dirty="0"/>
+              <a:t>,</a:t>
+            </a:r>
+            <a:r>
               <a:rPr lang="en-US" b="1" dirty="0"/>
               <a:t> </a:t>
             </a:r>
             <a:r>
               <a:rPr lang="en-US" dirty="0"/>
-              <a:t>add the code in the red box</a:t>
+              <a:t>add the code in the red boxes</a:t>
             </a:r>
           </a:p>
           <a:p>
@@ -22389,7 +22393,7 @@
             </a:pPr>
             <a:r>
               <a:rPr lang="en-US" sz="2200" dirty="0"/>
-              <a:t>You can change the intro message. In this case, it is changed to “Checking…”</a:t>
+              <a:t>You can change the intro message. In this case, it is modified to “Checking…”</a:t>
             </a:r>
           </a:p>
           <a:p>
@@ -22707,10 +22711,10 @@
       </p:grpSp>
       <p:grpSp>
         <p:nvGrpSpPr>
-          <p:cNvPr id="8" name="Group 7">
+          <p:cNvPr id="21" name="Group 20">
             <a:extLst>
               <a:ext uri="{FF2B5EF4-FFF2-40B4-BE49-F238E27FC236}">
-                <a16:creationId xmlns:a16="http://schemas.microsoft.com/office/drawing/2014/main" id="{515B9078-BCC9-4A6B-BC0B-2432C01AAAE5}"/>
+                <a16:creationId xmlns:a16="http://schemas.microsoft.com/office/drawing/2014/main" id="{2C27411F-D2B1-43F1-A3BA-B406A63AF525}"/>
               </a:ext>
             </a:extLst>
           </p:cNvPr>
@@ -22719,18 +22723,48 @@
         </p:nvGrpSpPr>
         <p:grpSpPr>
           <a:xfrm>
-            <a:off x="7299614" y="633105"/>
-            <a:ext cx="3614738" cy="5908341"/>
-            <a:chOff x="7299614" y="633105"/>
-            <a:chExt cx="3614738" cy="5908341"/>
+            <a:off x="7349200" y="919520"/>
+            <a:ext cx="4007511" cy="5613380"/>
+            <a:chOff x="7349200" y="919520"/>
+            <a:chExt cx="4007511" cy="5613380"/>
           </a:xfrm>
         </p:grpSpPr>
+        <p:pic>
+          <p:nvPicPr>
+            <p:cNvPr id="20" name="Picture 19">
+              <a:extLst>
+                <a:ext uri="{FF2B5EF4-FFF2-40B4-BE49-F238E27FC236}">
+                  <a16:creationId xmlns:a16="http://schemas.microsoft.com/office/drawing/2014/main" id="{1E75C03B-2CDA-42B9-90D3-CDCF1AB09A84}"/>
+                </a:ext>
+              </a:extLst>
+            </p:cNvPr>
+            <p:cNvPicPr>
+              <a:picLocks noChangeAspect="1"/>
+            </p:cNvPicPr>
+            <p:nvPr/>
+          </p:nvPicPr>
+          <p:blipFill>
+            <a:blip r:embed="rId5"/>
+            <a:stretch>
+              <a:fillRect/>
+            </a:stretch>
+          </p:blipFill>
+          <p:spPr>
+            <a:xfrm>
+              <a:off x="7391930" y="919520"/>
+              <a:ext cx="3964781" cy="5336381"/>
+            </a:xfrm>
+            <a:prstGeom prst="rect">
+              <a:avLst/>
+            </a:prstGeom>
+          </p:spPr>
+        </p:pic>
         <p:grpSp>
           <p:nvGrpSpPr>
-            <p:cNvPr id="6" name="Group 5">
+            <p:cNvPr id="8" name="Group 7">
               <a:extLst>
                 <a:ext uri="{FF2B5EF4-FFF2-40B4-BE49-F238E27FC236}">
-                  <a16:creationId xmlns:a16="http://schemas.microsoft.com/office/drawing/2014/main" id="{42DEF5CF-0DE0-4CED-A256-65AD1CA174AD}"/>
+                  <a16:creationId xmlns:a16="http://schemas.microsoft.com/office/drawing/2014/main" id="{515B9078-BCC9-4A6B-BC0B-2432C01AAAE5}"/>
                 </a:ext>
               </a:extLst>
             </p:cNvPr>
@@ -22739,41 +22773,12 @@
           </p:nvGrpSpPr>
           <p:grpSpPr>
             <a:xfrm>
-              <a:off x="7299614" y="633105"/>
-              <a:ext cx="3614738" cy="5908341"/>
-              <a:chOff x="7299614" y="633105"/>
-              <a:chExt cx="3614738" cy="5908341"/>
+              <a:off x="7349200" y="1009650"/>
+              <a:ext cx="3832489" cy="5523250"/>
+              <a:chOff x="7349200" y="1009650"/>
+              <a:chExt cx="3832489" cy="5523250"/>
             </a:xfrm>
           </p:grpSpPr>
-          <p:pic>
-            <p:nvPicPr>
-              <p:cNvPr id="15" name="Picture 14">
-                <a:extLst>
-                  <a:ext uri="{FF2B5EF4-FFF2-40B4-BE49-F238E27FC236}">
-                    <a16:creationId xmlns:a16="http://schemas.microsoft.com/office/drawing/2014/main" id="{FB95A257-7315-45F3-95FB-B2D087B42EA1}"/>
-                  </a:ext>
-                </a:extLst>
-              </p:cNvPr>
-              <p:cNvPicPr>
-                <a:picLocks noChangeAspect="1"/>
-              </p:cNvPicPr>
-              <p:nvPr/>
-            </p:nvPicPr>
-            <p:blipFill rotWithShape="1">
-              <a:blip r:embed="rId5"/>
-              <a:srcRect t="1416"/>
-              <a:stretch/>
-            </p:blipFill>
-            <p:spPr>
-              <a:xfrm>
-                <a:off x="7299614" y="633105"/>
-                <a:ext cx="3614738" cy="5591789"/>
-              </a:xfrm>
-              <a:prstGeom prst="rect">
-                <a:avLst/>
-              </a:prstGeom>
-            </p:spPr>
-          </p:pic>
           <p:sp>
             <p:nvSpPr>
               <p:cNvPr id="12" name="TextBox 11">
@@ -22788,7 +22793,7 @@
             </p:nvSpPr>
             <p:spPr>
               <a:xfrm>
-                <a:off x="7299614" y="6264447"/>
+                <a:off x="7566951" y="6255901"/>
                 <a:ext cx="3614738" cy="276999"/>
               </a:xfrm>
               <a:prstGeom prst="rect">
@@ -22818,163 +22823,163 @@
               </a:p>
             </p:txBody>
           </p:sp>
+          <p:sp>
+            <p:nvSpPr>
+              <p:cNvPr id="16" name="Rectangle 15">
+                <a:extLst>
+                  <a:ext uri="{FF2B5EF4-FFF2-40B4-BE49-F238E27FC236}">
+                    <a16:creationId xmlns:a16="http://schemas.microsoft.com/office/drawing/2014/main" id="{813965A2-2382-4106-8CDE-8C695D8885E2}"/>
+                  </a:ext>
+                </a:extLst>
+              </p:cNvPr>
+              <p:cNvSpPr/>
+              <p:nvPr/>
+            </p:nvSpPr>
+            <p:spPr>
+              <a:xfrm>
+                <a:off x="7349202" y="1009650"/>
+                <a:ext cx="2531397" cy="419100"/>
+              </a:xfrm>
+              <a:prstGeom prst="rect">
+                <a:avLst/>
+              </a:prstGeom>
+              <a:noFill/>
+              <a:ln w="28575">
+                <a:solidFill>
+                  <a:srgbClr val="FF0000"/>
+                </a:solidFill>
+              </a:ln>
+            </p:spPr>
+            <p:style>
+              <a:lnRef idx="2">
+                <a:schemeClr val="accent1">
+                  <a:shade val="50000"/>
+                </a:schemeClr>
+              </a:lnRef>
+              <a:fillRef idx="1">
+                <a:schemeClr val="accent1"/>
+              </a:fillRef>
+              <a:effectRef idx="0">
+                <a:schemeClr val="accent1"/>
+              </a:effectRef>
+              <a:fontRef idx="minor">
+                <a:schemeClr val="lt1"/>
+              </a:fontRef>
+            </p:style>
+            <p:txBody>
+              <a:bodyPr rtlCol="0" anchor="ctr"/>
+              <a:lstStyle/>
+              <a:p>
+                <a:pPr algn="ctr"/>
+                <a:endParaRPr lang="en-US"/>
+              </a:p>
+            </p:txBody>
+          </p:sp>
+          <p:sp>
+            <p:nvSpPr>
+              <p:cNvPr id="17" name="Rectangle 16">
+                <a:extLst>
+                  <a:ext uri="{FF2B5EF4-FFF2-40B4-BE49-F238E27FC236}">
+                    <a16:creationId xmlns:a16="http://schemas.microsoft.com/office/drawing/2014/main" id="{6A885978-C653-43F1-BD3A-222E93379901}"/>
+                  </a:ext>
+                </a:extLst>
+              </p:cNvPr>
+              <p:cNvSpPr/>
+              <p:nvPr/>
+            </p:nvSpPr>
+            <p:spPr>
+              <a:xfrm>
+                <a:off x="7349202" y="2209800"/>
+                <a:ext cx="2531398" cy="148839"/>
+              </a:xfrm>
+              <a:prstGeom prst="rect">
+                <a:avLst/>
+              </a:prstGeom>
+              <a:noFill/>
+              <a:ln w="28575">
+                <a:solidFill>
+                  <a:srgbClr val="FF0000"/>
+                </a:solidFill>
+              </a:ln>
+            </p:spPr>
+            <p:style>
+              <a:lnRef idx="2">
+                <a:schemeClr val="accent1">
+                  <a:shade val="50000"/>
+                </a:schemeClr>
+              </a:lnRef>
+              <a:fillRef idx="1">
+                <a:schemeClr val="accent1"/>
+              </a:fillRef>
+              <a:effectRef idx="0">
+                <a:schemeClr val="accent1"/>
+              </a:effectRef>
+              <a:fontRef idx="minor">
+                <a:schemeClr val="lt1"/>
+              </a:fontRef>
+            </p:style>
+            <p:txBody>
+              <a:bodyPr rtlCol="0" anchor="ctr"/>
+              <a:lstStyle/>
+              <a:p>
+                <a:pPr algn="ctr"/>
+                <a:endParaRPr lang="en-US"/>
+              </a:p>
+            </p:txBody>
+          </p:sp>
+          <p:sp>
+            <p:nvSpPr>
+              <p:cNvPr id="18" name="Rectangle 17">
+                <a:extLst>
+                  <a:ext uri="{FF2B5EF4-FFF2-40B4-BE49-F238E27FC236}">
+                    <a16:creationId xmlns:a16="http://schemas.microsoft.com/office/drawing/2014/main" id="{AFF14700-D5D0-4FB9-AF01-9F5DB1639AC8}"/>
+                  </a:ext>
+                </a:extLst>
+              </p:cNvPr>
+              <p:cNvSpPr/>
+              <p:nvPr/>
+            </p:nvSpPr>
+            <p:spPr>
+              <a:xfrm>
+                <a:off x="7349200" y="3590844"/>
+                <a:ext cx="2728249" cy="1895555"/>
+              </a:xfrm>
+              <a:prstGeom prst="rect">
+                <a:avLst/>
+              </a:prstGeom>
+              <a:noFill/>
+              <a:ln w="28575">
+                <a:solidFill>
+                  <a:srgbClr val="FF0000"/>
+                </a:solidFill>
+              </a:ln>
+            </p:spPr>
+            <p:style>
+              <a:lnRef idx="2">
+                <a:schemeClr val="accent1">
+                  <a:shade val="50000"/>
+                </a:schemeClr>
+              </a:lnRef>
+              <a:fillRef idx="1">
+                <a:schemeClr val="accent1"/>
+              </a:fillRef>
+              <a:effectRef idx="0">
+                <a:schemeClr val="accent1"/>
+              </a:effectRef>
+              <a:fontRef idx="minor">
+                <a:schemeClr val="lt1"/>
+              </a:fontRef>
+            </p:style>
+            <p:txBody>
+              <a:bodyPr rtlCol="0" anchor="ctr"/>
+              <a:lstStyle/>
+              <a:p>
+                <a:pPr algn="ctr"/>
+                <a:endParaRPr lang="en-US"/>
+              </a:p>
+            </p:txBody>
+          </p:sp>
         </p:grpSp>
-        <p:sp>
-          <p:nvSpPr>
-            <p:cNvPr id="16" name="Rectangle 15">
-              <a:extLst>
-                <a:ext uri="{FF2B5EF4-FFF2-40B4-BE49-F238E27FC236}">
-                  <a16:creationId xmlns:a16="http://schemas.microsoft.com/office/drawing/2014/main" id="{813965A2-2382-4106-8CDE-8C695D8885E2}"/>
-                </a:ext>
-              </a:extLst>
-            </p:cNvPr>
-            <p:cNvSpPr/>
-            <p:nvPr/>
-          </p:nvSpPr>
-          <p:spPr>
-            <a:xfrm>
-              <a:off x="7349202" y="1009650"/>
-              <a:ext cx="2531397" cy="419100"/>
-            </a:xfrm>
-            <a:prstGeom prst="rect">
-              <a:avLst/>
-            </a:prstGeom>
-            <a:noFill/>
-            <a:ln w="28575">
-              <a:solidFill>
-                <a:srgbClr val="FF0000"/>
-              </a:solidFill>
-            </a:ln>
-          </p:spPr>
-          <p:style>
-            <a:lnRef idx="2">
-              <a:schemeClr val="accent1">
-                <a:shade val="50000"/>
-              </a:schemeClr>
-            </a:lnRef>
-            <a:fillRef idx="1">
-              <a:schemeClr val="accent1"/>
-            </a:fillRef>
-            <a:effectRef idx="0">
-              <a:schemeClr val="accent1"/>
-            </a:effectRef>
-            <a:fontRef idx="minor">
-              <a:schemeClr val="lt1"/>
-            </a:fontRef>
-          </p:style>
-          <p:txBody>
-            <a:bodyPr rtlCol="0" anchor="ctr"/>
-            <a:lstStyle/>
-            <a:p>
-              <a:pPr algn="ctr"/>
-              <a:endParaRPr lang="en-US"/>
-            </a:p>
-          </p:txBody>
-        </p:sp>
-        <p:sp>
-          <p:nvSpPr>
-            <p:cNvPr id="17" name="Rectangle 16">
-              <a:extLst>
-                <a:ext uri="{FF2B5EF4-FFF2-40B4-BE49-F238E27FC236}">
-                  <a16:creationId xmlns:a16="http://schemas.microsoft.com/office/drawing/2014/main" id="{6A885978-C653-43F1-BD3A-222E93379901}"/>
-                </a:ext>
-              </a:extLst>
-            </p:cNvPr>
-            <p:cNvSpPr/>
-            <p:nvPr/>
-          </p:nvSpPr>
-          <p:spPr>
-            <a:xfrm>
-              <a:off x="7349201" y="2209800"/>
-              <a:ext cx="2890173" cy="152400"/>
-            </a:xfrm>
-            <a:prstGeom prst="rect">
-              <a:avLst/>
-            </a:prstGeom>
-            <a:noFill/>
-            <a:ln w="28575">
-              <a:solidFill>
-                <a:srgbClr val="FF0000"/>
-              </a:solidFill>
-            </a:ln>
-          </p:spPr>
-          <p:style>
-            <a:lnRef idx="2">
-              <a:schemeClr val="accent1">
-                <a:shade val="50000"/>
-              </a:schemeClr>
-            </a:lnRef>
-            <a:fillRef idx="1">
-              <a:schemeClr val="accent1"/>
-            </a:fillRef>
-            <a:effectRef idx="0">
-              <a:schemeClr val="accent1"/>
-            </a:effectRef>
-            <a:fontRef idx="minor">
-              <a:schemeClr val="lt1"/>
-            </a:fontRef>
-          </p:style>
-          <p:txBody>
-            <a:bodyPr rtlCol="0" anchor="ctr"/>
-            <a:lstStyle/>
-            <a:p>
-              <a:pPr algn="ctr"/>
-              <a:endParaRPr lang="en-US"/>
-            </a:p>
-          </p:txBody>
-        </p:sp>
-        <p:sp>
-          <p:nvSpPr>
-            <p:cNvPr id="18" name="Rectangle 17">
-              <a:extLst>
-                <a:ext uri="{FF2B5EF4-FFF2-40B4-BE49-F238E27FC236}">
-                  <a16:creationId xmlns:a16="http://schemas.microsoft.com/office/drawing/2014/main" id="{AFF14700-D5D0-4FB9-AF01-9F5DB1639AC8}"/>
-                </a:ext>
-              </a:extLst>
-            </p:cNvPr>
-            <p:cNvSpPr/>
-            <p:nvPr/>
-          </p:nvSpPr>
-          <p:spPr>
-            <a:xfrm>
-              <a:off x="7349200" y="3590844"/>
-              <a:ext cx="2728249" cy="1895555"/>
-            </a:xfrm>
-            <a:prstGeom prst="rect">
-              <a:avLst/>
-            </a:prstGeom>
-            <a:noFill/>
-            <a:ln w="28575">
-              <a:solidFill>
-                <a:srgbClr val="FF0000"/>
-              </a:solidFill>
-            </a:ln>
-          </p:spPr>
-          <p:style>
-            <a:lnRef idx="2">
-              <a:schemeClr val="accent1">
-                <a:shade val="50000"/>
-              </a:schemeClr>
-            </a:lnRef>
-            <a:fillRef idx="1">
-              <a:schemeClr val="accent1"/>
-            </a:fillRef>
-            <a:effectRef idx="0">
-              <a:schemeClr val="accent1"/>
-            </a:effectRef>
-            <a:fontRef idx="minor">
-              <a:schemeClr val="lt1"/>
-            </a:fontRef>
-          </p:style>
-          <p:txBody>
-            <a:bodyPr rtlCol="0" anchor="ctr"/>
-            <a:lstStyle/>
-            <a:p>
-              <a:pPr algn="ctr"/>
-              <a:endParaRPr lang="en-US"/>
-            </a:p>
-          </p:txBody>
-        </p:sp>
       </p:grpSp>
     </p:spTree>
     <p:extLst>
@@ -23237,7 +23242,7 @@
             </a:r>
             <a:r>
               <a:rPr lang="en-US" dirty="0"/>
-              <a:t> tab add to </a:t>
+              <a:t> tab, add to </a:t>
             </a:r>
             <a:r>
               <a:rPr lang="en-US" b="1" dirty="0"/>
@@ -23702,7 +23707,7 @@
               <a:buNone/>
             </a:pPr>
             <a:r>
-              <a:rPr lang="en-US" sz="1400" b="1" dirty="0">
+              <a:rPr lang="en-US" sz="1200" b="1" dirty="0">
                 <a:solidFill>
                   <a:srgbClr val="7F0055"/>
                 </a:solidFill>
@@ -23711,7 +23716,7 @@
               <a:t>#ifndef</a:t>
             </a:r>
             <a:r>
-              <a:rPr lang="en-US" sz="1400" b="1" dirty="0">
+              <a:rPr lang="en-US" sz="1200" b="1" dirty="0">
                 <a:solidFill>
                   <a:srgbClr val="000000"/>
                 </a:solidFill>
@@ -23734,7 +23739,7 @@
               <a:buNone/>
             </a:pPr>
             <a:r>
-              <a:rPr lang="en-US" sz="1400" b="1" dirty="0">
+              <a:rPr lang="en-US" sz="1200" b="1" dirty="0">
                 <a:solidFill>
                   <a:srgbClr val="7F0055"/>
                 </a:solidFill>
@@ -23743,7 +23748,7 @@
               <a:t>#define</a:t>
             </a:r>
             <a:r>
-              <a:rPr lang="en-US" sz="1400" b="1" dirty="0">
+              <a:rPr lang="en-US" sz="1200" b="1" dirty="0">
                 <a:solidFill>
                   <a:srgbClr val="000000"/>
                 </a:solidFill>
@@ -23765,7 +23770,7 @@
               </a:spcAft>
               <a:buNone/>
             </a:pPr>
-            <a:endParaRPr lang="en-US" sz="1400" dirty="0">
+            <a:endParaRPr lang="en-US" sz="1200" dirty="0">
               <a:latin typeface="Consolas" panose="020B0609020204030204" pitchFamily="49" charset="0"/>
             </a:endParaRPr>
           </a:p>
@@ -23783,7 +23788,7 @@
               <a:buNone/>
             </a:pPr>
             <a:r>
-              <a:rPr lang="en-US" sz="1400" b="1" dirty="0">
+              <a:rPr lang="en-US" sz="1200" b="1" dirty="0">
                 <a:solidFill>
                   <a:srgbClr val="7F0055"/>
                 </a:solidFill>
@@ -23792,7 +23797,7 @@
               <a:t>#include</a:t>
             </a:r>
             <a:r>
-              <a:rPr lang="en-US" sz="1400" b="1" dirty="0">
+              <a:rPr lang="en-US" sz="1200" b="1" dirty="0">
                 <a:solidFill>
                   <a:srgbClr val="000000"/>
                 </a:solidFill>
@@ -23801,7 +23806,7 @@
               <a:t> </a:t>
             </a:r>
             <a:r>
-              <a:rPr lang="en-US" sz="1400" b="1" dirty="0">
+              <a:rPr lang="en-US" sz="1200" b="1" dirty="0">
                 <a:solidFill>
                   <a:srgbClr val="2A00FF"/>
                 </a:solidFill>
@@ -23810,7 +23815,7 @@
               <a:t>&lt;</a:t>
             </a:r>
             <a:r>
-              <a:rPr lang="en-US" sz="1400" b="1" dirty="0" err="1">
+              <a:rPr lang="en-US" sz="1200" b="1" dirty="0" err="1">
                 <a:solidFill>
                   <a:srgbClr val="2A00FF"/>
                 </a:solidFill>
@@ -23819,7 +23824,7 @@
               <a:t>stdint.h</a:t>
             </a:r>
             <a:r>
-              <a:rPr lang="en-US" sz="1400" b="1" dirty="0">
+              <a:rPr lang="en-US" sz="1200" b="1" dirty="0">
                 <a:solidFill>
                   <a:srgbClr val="2A00FF"/>
                 </a:solidFill>
@@ -23842,7 +23847,7 @@
               <a:buNone/>
             </a:pPr>
             <a:r>
-              <a:rPr lang="en-US" sz="1400" b="1" dirty="0">
+              <a:rPr lang="en-US" sz="1200" b="1" dirty="0">
                 <a:solidFill>
                   <a:srgbClr val="7F0055"/>
                 </a:solidFill>
@@ -23851,7 +23856,7 @@
               <a:t>#include</a:t>
             </a:r>
             <a:r>
-              <a:rPr lang="en-US" sz="1400" b="1" dirty="0">
+              <a:rPr lang="en-US" sz="1200" b="1" dirty="0">
                 <a:solidFill>
                   <a:srgbClr val="000000"/>
                 </a:solidFill>
@@ -23860,7 +23865,7 @@
               <a:t> </a:t>
             </a:r>
             <a:r>
-              <a:rPr lang="en-US" sz="1400" b="1" dirty="0">
+              <a:rPr lang="en-US" sz="1200" b="1" dirty="0">
                 <a:solidFill>
                   <a:srgbClr val="2A00FF"/>
                 </a:solidFill>
@@ -23869,7 +23874,7 @@
               <a:t>"</a:t>
             </a:r>
             <a:r>
-              <a:rPr lang="en-US" sz="1400" b="1" dirty="0" err="1">
+              <a:rPr lang="en-US" sz="1200" b="1" dirty="0" err="1">
                 <a:solidFill>
                   <a:srgbClr val="2A00FF"/>
                 </a:solidFill>
@@ -23878,7 +23883,7 @@
               <a:t>cpu_types.h</a:t>
             </a:r>
             <a:r>
-              <a:rPr lang="en-US" sz="1400" b="1" dirty="0">
+              <a:rPr lang="en-US" sz="1200" b="1" dirty="0">
                 <a:solidFill>
                   <a:srgbClr val="2A00FF"/>
                 </a:solidFill>
@@ -23900,7 +23905,7 @@
               </a:spcAft>
               <a:buNone/>
             </a:pPr>
-            <a:endParaRPr lang="en-US" sz="1400" dirty="0">
+            <a:endParaRPr lang="en-US" sz="1200" dirty="0">
               <a:latin typeface="Consolas" panose="020B0609020204030204" pitchFamily="49" charset="0"/>
             </a:endParaRPr>
           </a:p>
@@ -23918,7 +23923,7 @@
               <a:buNone/>
             </a:pPr>
             <a:r>
-              <a:rPr lang="en-US" sz="1400" b="1" dirty="0">
+              <a:rPr lang="en-US" sz="1200" b="1" dirty="0">
                 <a:solidFill>
                   <a:srgbClr val="7F0055"/>
                 </a:solidFill>
@@ -23927,13 +23932,13 @@
               <a:t>#define</a:t>
             </a:r>
             <a:r>
-              <a:rPr lang="en-US" sz="1400" b="1" dirty="0">
+              <a:rPr lang="en-US" sz="1200" b="1" dirty="0">
                 <a:solidFill>
                   <a:srgbClr val="000000"/>
                 </a:solidFill>
                 <a:latin typeface="Consolas" panose="020B0609020204030204" pitchFamily="49" charset="0"/>
               </a:rPr>
-              <a:t> AND2_GATE_BASE_ADDR0x70002000UL</a:t>
+              <a:t> ADD2_BASE_ADDR  0x70002000UL</a:t>
             </a:r>
           </a:p>
           <a:p>
@@ -23949,7 +23954,7 @@
               </a:spcAft>
               <a:buNone/>
             </a:pPr>
-            <a:endParaRPr lang="en-US" sz="1400" dirty="0">
+            <a:endParaRPr lang="en-US" sz="1200" dirty="0">
               <a:latin typeface="Consolas" panose="020B0609020204030204" pitchFamily="49" charset="0"/>
             </a:endParaRPr>
           </a:p>
@@ -23967,7 +23972,7 @@
               <a:buNone/>
             </a:pPr>
             <a:r>
-              <a:rPr lang="en-US" sz="1400" b="1" dirty="0">
+              <a:rPr lang="en-US" sz="1200" b="1" dirty="0">
                 <a:solidFill>
                   <a:srgbClr val="7F0055"/>
                 </a:solidFill>
@@ -23976,7 +23981,7 @@
               <a:t>typedef</a:t>
             </a:r>
             <a:r>
-              <a:rPr lang="en-US" sz="1400" b="1" dirty="0">
+              <a:rPr lang="en-US" sz="1200" b="1" dirty="0">
                 <a:solidFill>
                   <a:srgbClr val="000000"/>
                 </a:solidFill>
@@ -23985,7 +23990,7 @@
               <a:t> </a:t>
             </a:r>
             <a:r>
-              <a:rPr lang="en-US" sz="1400" b="1" dirty="0">
+              <a:rPr lang="en-US" sz="1200" b="1" dirty="0">
                 <a:solidFill>
                   <a:srgbClr val="7F0055"/>
                 </a:solidFill>
@@ -23994,7 +23999,7 @@
               <a:t>struct</a:t>
             </a:r>
             <a:r>
-              <a:rPr lang="en-US" sz="1400" b="1" dirty="0">
+              <a:rPr lang="en-US" sz="1200" b="1" dirty="0">
                 <a:solidFill>
                   <a:srgbClr val="000000"/>
                 </a:solidFill>
@@ -24003,16 +24008,16 @@
               <a:t> </a:t>
             </a:r>
             <a:r>
-              <a:rPr lang="en-US" sz="1400" b="1" dirty="0">
+              <a:rPr lang="en-US" sz="1200" b="1" dirty="0">
                 <a:solidFill>
                   <a:srgbClr val="005032"/>
                 </a:solidFill>
                 <a:latin typeface="Consolas" panose="020B0609020204030204" pitchFamily="49" charset="0"/>
               </a:rPr>
-              <a:t>and2_gate_instance</a:t>
-            </a:r>
-            <a:r>
-              <a:rPr lang="en-US" sz="1400" b="1" dirty="0">
+              <a:t>add2_instance</a:t>
+            </a:r>
+            <a:r>
+              <a:rPr lang="en-US" sz="1200" b="1" dirty="0">
                 <a:solidFill>
                   <a:srgbClr val="000000"/>
                 </a:solidFill>
@@ -24021,16 +24026,16 @@
               <a:t> </a:t>
             </a:r>
             <a:r>
-              <a:rPr lang="en-US" sz="1400" b="1" dirty="0">
+              <a:rPr lang="en-US" sz="1200" b="1" dirty="0">
                 <a:solidFill>
                   <a:srgbClr val="005032"/>
                 </a:solidFill>
                 <a:latin typeface="Consolas" panose="020B0609020204030204" pitchFamily="49" charset="0"/>
               </a:rPr>
-              <a:t>and2_gate_instance_t</a:t>
-            </a:r>
-            <a:r>
-              <a:rPr lang="en-US" sz="1400" b="1" dirty="0">
+              <a:t>add2_instance_t</a:t>
+            </a:r>
+            <a:r>
+              <a:rPr lang="en-US" sz="1200" b="1" dirty="0">
                 <a:solidFill>
                   <a:srgbClr val="000000"/>
                 </a:solidFill>
@@ -24052,7 +24057,7 @@
               </a:spcAft>
               <a:buNone/>
             </a:pPr>
-            <a:endParaRPr lang="en-US" sz="1400" dirty="0">
+            <a:endParaRPr lang="en-US" sz="1200" dirty="0">
               <a:latin typeface="Consolas" panose="020B0609020204030204" pitchFamily="49" charset="0"/>
             </a:endParaRPr>
           </a:p>
@@ -24070,7 +24075,7 @@
               <a:buNone/>
             </a:pPr>
             <a:r>
-              <a:rPr lang="en-US" sz="1400" b="1" dirty="0">
+              <a:rPr lang="en-US" sz="1200" b="1" dirty="0">
                 <a:solidFill>
                   <a:srgbClr val="7F0055"/>
                 </a:solidFill>
@@ -24079,7 +24084,7 @@
               <a:t>struct</a:t>
             </a:r>
             <a:r>
-              <a:rPr lang="en-US" sz="1400" b="1" dirty="0">
+              <a:rPr lang="en-US" sz="1200" b="1" dirty="0">
                 <a:solidFill>
                   <a:srgbClr val="000000"/>
                 </a:solidFill>
@@ -24088,30 +24093,16 @@
               <a:t> </a:t>
             </a:r>
             <a:r>
-              <a:rPr lang="en-US" sz="1400" b="1" dirty="0">
+              <a:rPr lang="en-US" sz="1200" b="1" dirty="0">
                 <a:solidFill>
                   <a:srgbClr val="005032"/>
                 </a:solidFill>
                 <a:latin typeface="Consolas" panose="020B0609020204030204" pitchFamily="49" charset="0"/>
               </a:rPr>
-              <a:t>and2_gate_instance</a:t>
-            </a:r>
-          </a:p>
-          <a:p>
-            <a:pPr marL="0" indent="0" algn="l">
-              <a:lnSpc>
-                <a:spcPct val="100000"/>
-              </a:lnSpc>
-              <a:spcBef>
-                <a:spcPts val="0"/>
-              </a:spcBef>
-              <a:spcAft>
-                <a:spcPts val="0"/>
-              </a:spcAft>
-              <a:buNone/>
-            </a:pPr>
-            <a:r>
-              <a:rPr lang="en-US" sz="1400" dirty="0">
+              <a:t>add2_instance </a:t>
+            </a:r>
+            <a:r>
+              <a:rPr lang="en-US" sz="1200" dirty="0">
                 <a:solidFill>
                   <a:srgbClr val="000000"/>
                 </a:solidFill>
@@ -24121,7 +24112,7 @@
             </a:r>
           </a:p>
           <a:p>
-            <a:pPr marL="457200" indent="0" algn="l">
+            <a:pPr marL="225425" indent="0" algn="l">
               <a:lnSpc>
                 <a:spcPct val="100000"/>
               </a:lnSpc>
@@ -24134,7 +24125,7 @@
               <a:buNone/>
             </a:pPr>
             <a:r>
-              <a:rPr lang="en-US" sz="1400" dirty="0" err="1">
+              <a:rPr lang="en-US" sz="1200" dirty="0" err="1">
                 <a:solidFill>
                   <a:srgbClr val="005032"/>
                 </a:solidFill>
@@ -24143,16 +24134,16 @@
               <a:t>addr_t</a:t>
             </a:r>
             <a:r>
-              <a:rPr lang="en-US" sz="1400" dirty="0">
+              <a:rPr lang="en-US" sz="1200" dirty="0">
                 <a:solidFill>
                   <a:srgbClr val="000000"/>
                 </a:solidFill>
                 <a:latin typeface="Consolas" panose="020B0609020204030204" pitchFamily="49" charset="0"/>
               </a:rPr>
-              <a:t>              </a:t>
-            </a:r>
-            <a:r>
-              <a:rPr lang="en-US" sz="1400" dirty="0" err="1">
+              <a:t> </a:t>
+            </a:r>
+            <a:r>
+              <a:rPr lang="en-US" sz="1200" dirty="0" err="1">
                 <a:solidFill>
                   <a:srgbClr val="0000C0"/>
                 </a:solidFill>
@@ -24161,7 +24152,7 @@
               <a:t>base_addr</a:t>
             </a:r>
             <a:r>
-              <a:rPr lang="en-US" sz="1400" dirty="0">
+              <a:rPr lang="en-US" sz="1200" dirty="0">
                 <a:solidFill>
                   <a:srgbClr val="000000"/>
                 </a:solidFill>
@@ -24184,7 +24175,7 @@
               <a:buNone/>
             </a:pPr>
             <a:r>
-              <a:rPr lang="en-US" sz="1400" dirty="0">
+              <a:rPr lang="en-US" sz="1200" dirty="0">
                 <a:solidFill>
                   <a:srgbClr val="000000"/>
                 </a:solidFill>
@@ -24206,7 +24197,7 @@
               </a:spcAft>
               <a:buNone/>
             </a:pPr>
-            <a:endParaRPr lang="en-US" sz="1400" dirty="0">
+            <a:endParaRPr lang="en-US" sz="1200" dirty="0">
               <a:latin typeface="Consolas" panose="020B0609020204030204" pitchFamily="49" charset="0"/>
             </a:endParaRPr>
           </a:p>
@@ -24224,7 +24215,7 @@
               <a:buNone/>
             </a:pPr>
             <a:r>
-              <a:rPr lang="en-US" sz="1400" b="1" dirty="0">
+              <a:rPr lang="en-US" sz="1200" b="1" dirty="0">
                 <a:solidFill>
                   <a:srgbClr val="7F0055"/>
                 </a:solidFill>
@@ -24233,30 +24224,16 @@
               <a:t>void</a:t>
             </a:r>
             <a:r>
-              <a:rPr lang="en-US" sz="1400" b="1" dirty="0">
+              <a:rPr lang="en-US" sz="1200" b="1" dirty="0">
                 <a:solidFill>
                   <a:srgbClr val="000000"/>
                 </a:solidFill>
                 <a:latin typeface="Consolas" panose="020B0609020204030204" pitchFamily="49" charset="0"/>
               </a:rPr>
-              <a:t> AND2_GATE_init</a:t>
-            </a:r>
-          </a:p>
-          <a:p>
-            <a:pPr marL="0" indent="0" algn="l">
-              <a:lnSpc>
-                <a:spcPct val="100000"/>
-              </a:lnSpc>
-              <a:spcBef>
-                <a:spcPts val="0"/>
-              </a:spcBef>
-              <a:spcAft>
-                <a:spcPts val="0"/>
-              </a:spcAft>
-              <a:buNone/>
-            </a:pPr>
-            <a:r>
-              <a:rPr lang="en-US" sz="1400" dirty="0">
+              <a:t> ADD2_init </a:t>
+            </a:r>
+            <a:r>
+              <a:rPr lang="en-US" sz="1200" dirty="0">
                 <a:solidFill>
                   <a:srgbClr val="000000"/>
                 </a:solidFill>
@@ -24266,7 +24243,7 @@
             </a:r>
           </a:p>
           <a:p>
-            <a:pPr marL="457200" indent="0" algn="l">
+            <a:pPr marL="225425" indent="0" algn="l">
               <a:lnSpc>
                 <a:spcPct val="100000"/>
               </a:lnSpc>
@@ -24279,26 +24256,26 @@
               <a:buNone/>
             </a:pPr>
             <a:r>
-              <a:rPr lang="en-US" sz="1400" dirty="0">
+              <a:rPr lang="en-US" sz="1200" dirty="0">
                 <a:solidFill>
                   <a:srgbClr val="005032"/>
                 </a:solidFill>
                 <a:latin typeface="Consolas" panose="020B0609020204030204" pitchFamily="49" charset="0"/>
               </a:rPr>
-              <a:t>and2_gate_instance_t</a:t>
-            </a:r>
-            <a:r>
-              <a:rPr lang="en-US" sz="1400" dirty="0">
+              <a:t>add2_instance_t</a:t>
+            </a:r>
+            <a:r>
+              <a:rPr lang="en-US" sz="1200" dirty="0">
                 <a:solidFill>
                   <a:srgbClr val="000000"/>
                 </a:solidFill>
                 <a:latin typeface="Consolas" panose="020B0609020204030204" pitchFamily="49" charset="0"/>
               </a:rPr>
-              <a:t> *   this_and2_gate,</a:t>
-            </a:r>
-          </a:p>
-          <a:p>
-            <a:pPr marL="457200" indent="0" algn="l">
+              <a:t> * this_add2,</a:t>
+            </a:r>
+          </a:p>
+          <a:p>
+            <a:pPr marL="225425" indent="0" algn="l">
               <a:lnSpc>
                 <a:spcPct val="100000"/>
               </a:lnSpc>
@@ -24311,7 +24288,7 @@
               <a:buNone/>
             </a:pPr>
             <a:r>
-              <a:rPr lang="en-US" sz="1400" dirty="0" err="1">
+              <a:rPr lang="en-US" sz="1200" dirty="0" err="1">
                 <a:solidFill>
                   <a:srgbClr val="005032"/>
                 </a:solidFill>
@@ -24320,7 +24297,7 @@
               <a:t>addr_t</a:t>
             </a:r>
             <a:r>
-              <a:rPr lang="en-US" sz="1400" dirty="0">
+              <a:rPr lang="en-US" sz="1200" dirty="0">
                 <a:solidFill>
                   <a:srgbClr val="000000"/>
                 </a:solidFill>
@@ -24329,7 +24306,7 @@
               <a:t> </a:t>
             </a:r>
             <a:r>
-              <a:rPr lang="en-US" sz="1400" dirty="0" err="1">
+              <a:rPr lang="en-US" sz="1200" dirty="0" err="1">
                 <a:solidFill>
                   <a:srgbClr val="000000"/>
                 </a:solidFill>
@@ -24337,7 +24314,7 @@
               </a:rPr>
               <a:t>base_addr</a:t>
             </a:r>
-            <a:endParaRPr lang="en-US" sz="1400" dirty="0">
+            <a:endParaRPr lang="en-US" sz="1200" dirty="0">
               <a:solidFill>
                 <a:srgbClr val="000000"/>
               </a:solidFill>
@@ -24358,7 +24335,7 @@
               <a:buNone/>
             </a:pPr>
             <a:r>
-              <a:rPr lang="en-US" sz="1400" dirty="0">
+              <a:rPr lang="en-US" sz="1200" dirty="0">
                 <a:solidFill>
                   <a:srgbClr val="000000"/>
                 </a:solidFill>
@@ -24380,48 +24357,8 @@
               </a:spcAft>
               <a:buNone/>
             </a:pPr>
-            <a:endParaRPr lang="en-US" sz="1400" dirty="0">
-              <a:solidFill>
-                <a:srgbClr val="000000"/>
-              </a:solidFill>
-              <a:latin typeface="Consolas" panose="020B0609020204030204" pitchFamily="49" charset="0"/>
-            </a:endParaRPr>
-          </a:p>
-          <a:p>
-            <a:pPr marL="0" indent="0" algn="l">
-              <a:lnSpc>
-                <a:spcPct val="100000"/>
-              </a:lnSpc>
-              <a:spcBef>
-                <a:spcPts val="0"/>
-              </a:spcBef>
-              <a:spcAft>
-                <a:spcPts val="0"/>
-              </a:spcAft>
-              <a:buNone/>
-            </a:pPr>
-            <a:endParaRPr lang="en-US" sz="1400" dirty="0">
-              <a:solidFill>
-                <a:srgbClr val="000000"/>
-              </a:solidFill>
-              <a:latin typeface="Consolas" panose="020B0609020204030204" pitchFamily="49" charset="0"/>
-            </a:endParaRPr>
-          </a:p>
-          <a:p>
-            <a:pPr marL="0" indent="0" algn="l">
-              <a:lnSpc>
-                <a:spcPct val="100000"/>
-              </a:lnSpc>
-              <a:spcBef>
-                <a:spcPts val="0"/>
-              </a:spcBef>
-              <a:spcAft>
-                <a:spcPts val="0"/>
-              </a:spcAft>
-              <a:buNone/>
-            </a:pPr>
-            <a:r>
-              <a:rPr lang="en-US" sz="1400" b="1" dirty="0">
+            <a:r>
+              <a:rPr lang="en-US" sz="1200" b="1" dirty="0">
                 <a:solidFill>
                   <a:srgbClr val="7F0055"/>
                 </a:solidFill>
@@ -24430,7 +24367,7 @@
               <a:t>void</a:t>
             </a:r>
             <a:r>
-              <a:rPr lang="en-US" sz="1400" b="1" dirty="0">
+              <a:rPr lang="en-US" sz="1200" b="1" dirty="0">
                 <a:solidFill>
                   <a:srgbClr val="000000"/>
                 </a:solidFill>
@@ -24439,7 +24376,7 @@
               <a:t> </a:t>
             </a:r>
             <a:r>
-              <a:rPr lang="en-US" sz="1400" b="1" dirty="0" err="1">
+              <a:rPr lang="en-US" sz="1200" b="1" dirty="0" err="1">
                 <a:solidFill>
                   <a:srgbClr val="000000"/>
                 </a:solidFill>
@@ -24447,28 +24384,17 @@
               </a:rPr>
               <a:t>set_A</a:t>
             </a:r>
-            <a:endParaRPr lang="en-US" sz="1400" b="1" dirty="0">
-              <a:solidFill>
-                <a:srgbClr val="000000"/>
-              </a:solidFill>
-              <a:latin typeface="Consolas" panose="020B0609020204030204" pitchFamily="49" charset="0"/>
-            </a:endParaRPr>
-          </a:p>
-          <a:p>
-            <a:pPr marL="0" indent="0" algn="l">
-              <a:lnSpc>
-                <a:spcPct val="100000"/>
-              </a:lnSpc>
-              <a:spcBef>
-                <a:spcPts val="0"/>
-              </a:spcBef>
-              <a:spcAft>
-                <a:spcPts val="0"/>
-              </a:spcAft>
-              <a:buNone/>
-            </a:pPr>
-            <a:r>
-              <a:rPr lang="en-US" sz="1400" dirty="0">
+            <a:r>
+              <a:rPr lang="en-US" sz="1200" b="1" dirty="0">
+                <a:solidFill>
+                  <a:srgbClr val="000000"/>
+                </a:solidFill>
+                <a:latin typeface="Consolas" panose="020B0609020204030204" pitchFamily="49" charset="0"/>
+              </a:rPr>
+              <a:t> </a:t>
+            </a:r>
+            <a:r>
+              <a:rPr lang="en-US" sz="1200" dirty="0">
                 <a:solidFill>
                   <a:srgbClr val="000000"/>
                 </a:solidFill>
@@ -24478,7 +24404,7 @@
             </a:r>
           </a:p>
           <a:p>
-            <a:pPr marL="457200" indent="0" algn="l">
+            <a:pPr marL="225425" indent="0" algn="l">
               <a:lnSpc>
                 <a:spcPct val="100000"/>
               </a:lnSpc>
@@ -24491,26 +24417,26 @@
               <a:buNone/>
             </a:pPr>
             <a:r>
-              <a:rPr lang="en-US" sz="1400" dirty="0">
+              <a:rPr lang="en-US" sz="1200" dirty="0">
                 <a:solidFill>
                   <a:srgbClr val="005032"/>
                 </a:solidFill>
                 <a:latin typeface="Consolas" panose="020B0609020204030204" pitchFamily="49" charset="0"/>
               </a:rPr>
-              <a:t>and2_gate_instance_t</a:t>
-            </a:r>
-            <a:r>
-              <a:rPr lang="en-US" sz="1400" dirty="0">
+              <a:t>add2_instance_t</a:t>
+            </a:r>
+            <a:r>
+              <a:rPr lang="en-US" sz="1200" dirty="0">
                 <a:solidFill>
                   <a:srgbClr val="000000"/>
                 </a:solidFill>
                 <a:latin typeface="Consolas" panose="020B0609020204030204" pitchFamily="49" charset="0"/>
               </a:rPr>
-              <a:t> *   this_and2_gate,</a:t>
-            </a:r>
-          </a:p>
-          <a:p>
-            <a:pPr marL="457200" indent="0" algn="l">
+              <a:t> * this_add2,</a:t>
+            </a:r>
+          </a:p>
+          <a:p>
+            <a:pPr marL="225425" indent="0" algn="l">
               <a:lnSpc>
                 <a:spcPct val="100000"/>
               </a:lnSpc>
@@ -24523,7 +24449,7 @@
               <a:buNone/>
             </a:pPr>
             <a:r>
-              <a:rPr lang="en-US" sz="1400" dirty="0">
+              <a:rPr lang="en-US" sz="1200" dirty="0">
                 <a:solidFill>
                   <a:srgbClr val="005032"/>
                 </a:solidFill>
@@ -24532,7 +24458,7 @@
               <a:t>uint8_t</a:t>
             </a:r>
             <a:r>
-              <a:rPr lang="en-US" sz="1400" dirty="0">
+              <a:rPr lang="en-US" sz="1200" dirty="0">
                 <a:solidFill>
                   <a:srgbClr val="000000"/>
                 </a:solidFill>
@@ -24541,7 +24467,7 @@
               <a:t> </a:t>
             </a:r>
             <a:r>
-              <a:rPr lang="en-US" sz="1400" dirty="0" err="1">
+              <a:rPr lang="en-US" sz="1200" dirty="0" err="1">
                 <a:solidFill>
                   <a:srgbClr val="000000"/>
                 </a:solidFill>
@@ -24549,7 +24475,7 @@
               </a:rPr>
               <a:t>aValue</a:t>
             </a:r>
-            <a:endParaRPr lang="en-US" sz="1400" dirty="0">
+            <a:endParaRPr lang="en-US" sz="1200" dirty="0">
               <a:solidFill>
                 <a:srgbClr val="000000"/>
               </a:solidFill>
@@ -24570,7 +24496,7 @@
               <a:buNone/>
             </a:pPr>
             <a:r>
-              <a:rPr lang="en-US" sz="1400" dirty="0">
+              <a:rPr lang="en-US" sz="1200" dirty="0">
                 <a:solidFill>
                   <a:srgbClr val="000000"/>
                 </a:solidFill>
@@ -24592,8 +24518,108 @@
               </a:spcAft>
               <a:buNone/>
             </a:pPr>
-            <a:r>
-              <a:rPr lang="en-US" sz="1400" b="1" dirty="0">
+            <a:endParaRPr lang="en-US" sz="1200" dirty="0">
+              <a:solidFill>
+                <a:srgbClr val="000000"/>
+              </a:solidFill>
+              <a:latin typeface="Consolas" panose="020B0609020204030204" pitchFamily="49" charset="0"/>
+            </a:endParaRPr>
+          </a:p>
+          <a:p>
+            <a:pPr marL="0" indent="0" algn="l">
+              <a:lnSpc>
+                <a:spcPct val="100000"/>
+              </a:lnSpc>
+              <a:spcBef>
+                <a:spcPts val="0"/>
+              </a:spcBef>
+              <a:spcAft>
+                <a:spcPts val="0"/>
+              </a:spcAft>
+              <a:buNone/>
+            </a:pPr>
+            <a:endParaRPr lang="en-US" sz="1200" dirty="0">
+              <a:solidFill>
+                <a:srgbClr val="000000"/>
+              </a:solidFill>
+              <a:latin typeface="Consolas" panose="020B0609020204030204" pitchFamily="49" charset="0"/>
+            </a:endParaRPr>
+          </a:p>
+          <a:p>
+            <a:pPr marL="0" indent="0" algn="l">
+              <a:lnSpc>
+                <a:spcPct val="100000"/>
+              </a:lnSpc>
+              <a:spcBef>
+                <a:spcPts val="0"/>
+              </a:spcBef>
+              <a:spcAft>
+                <a:spcPts val="0"/>
+              </a:spcAft>
+              <a:buNone/>
+            </a:pPr>
+            <a:endParaRPr lang="en-US" sz="1200" dirty="0">
+              <a:solidFill>
+                <a:srgbClr val="000000"/>
+              </a:solidFill>
+              <a:latin typeface="Consolas" panose="020B0609020204030204" pitchFamily="49" charset="0"/>
+            </a:endParaRPr>
+          </a:p>
+          <a:p>
+            <a:pPr marL="0" indent="0" algn="l">
+              <a:lnSpc>
+                <a:spcPct val="100000"/>
+              </a:lnSpc>
+              <a:spcBef>
+                <a:spcPts val="0"/>
+              </a:spcBef>
+              <a:spcAft>
+                <a:spcPts val="0"/>
+              </a:spcAft>
+              <a:buNone/>
+            </a:pPr>
+            <a:endParaRPr lang="en-US" sz="1200" dirty="0">
+              <a:solidFill>
+                <a:srgbClr val="000000"/>
+              </a:solidFill>
+              <a:latin typeface="Consolas" panose="020B0609020204030204" pitchFamily="49" charset="0"/>
+            </a:endParaRPr>
+          </a:p>
+          <a:p>
+            <a:pPr marL="0" indent="0" algn="l">
+              <a:lnSpc>
+                <a:spcPct val="100000"/>
+              </a:lnSpc>
+              <a:spcBef>
+                <a:spcPts val="0"/>
+              </a:spcBef>
+              <a:spcAft>
+                <a:spcPts val="0"/>
+              </a:spcAft>
+              <a:buNone/>
+            </a:pPr>
+            <a:endParaRPr lang="en-US" sz="1200" dirty="0">
+              <a:solidFill>
+                <a:srgbClr val="000000"/>
+              </a:solidFill>
+              <a:latin typeface="Consolas" panose="020B0609020204030204" pitchFamily="49" charset="0"/>
+            </a:endParaRPr>
+          </a:p>
+          <a:p>
+            <a:pPr marL="0" indent="0" algn="l">
+              <a:lnSpc>
+                <a:spcPct val="100000"/>
+              </a:lnSpc>
+              <a:spcBef>
+                <a:spcPts val="0"/>
+              </a:spcBef>
+              <a:spcAft>
+                <a:spcPts val="0"/>
+              </a:spcAft>
+              <a:buNone/>
+            </a:pPr>
+            <a:r>
+              <a:rPr lang="en-US" sz="1200" b="1" dirty="0">
                 <a:solidFill>
                   <a:srgbClr val="7F0055"/>
                 </a:solidFill>
@@ -24602,7 +24628,7 @@
               <a:t>void</a:t>
             </a:r>
             <a:r>
-              <a:rPr lang="en-US" sz="1400" b="1" dirty="0">
+              <a:rPr lang="en-US" sz="1200" b="1" dirty="0">
                 <a:solidFill>
                   <a:srgbClr val="000000"/>
                 </a:solidFill>
@@ -24611,7 +24637,7 @@
               <a:t> </a:t>
             </a:r>
             <a:r>
-              <a:rPr lang="en-US" sz="1400" b="1" dirty="0" err="1">
+              <a:rPr lang="en-US" sz="1200" b="1" dirty="0" err="1">
                 <a:solidFill>
                   <a:srgbClr val="000000"/>
                 </a:solidFill>
@@ -24619,28 +24645,17 @@
               </a:rPr>
               <a:t>set_B</a:t>
             </a:r>
-            <a:endParaRPr lang="en-US" sz="1400" b="1" dirty="0">
-              <a:solidFill>
-                <a:srgbClr val="000000"/>
-              </a:solidFill>
-              <a:latin typeface="Consolas" panose="020B0609020204030204" pitchFamily="49" charset="0"/>
-            </a:endParaRPr>
-          </a:p>
-          <a:p>
-            <a:pPr marL="0" indent="0" algn="l">
-              <a:lnSpc>
-                <a:spcPct val="100000"/>
-              </a:lnSpc>
-              <a:spcBef>
-                <a:spcPts val="0"/>
-              </a:spcBef>
-              <a:spcAft>
-                <a:spcPts val="0"/>
-              </a:spcAft>
-              <a:buNone/>
-            </a:pPr>
-            <a:r>
-              <a:rPr lang="en-US" sz="1400" dirty="0">
+            <a:r>
+              <a:rPr lang="en-US" sz="1200" b="1" dirty="0">
+                <a:solidFill>
+                  <a:srgbClr val="000000"/>
+                </a:solidFill>
+                <a:latin typeface="Consolas" panose="020B0609020204030204" pitchFamily="49" charset="0"/>
+              </a:rPr>
+              <a:t> </a:t>
+            </a:r>
+            <a:r>
+              <a:rPr lang="en-US" sz="1200" dirty="0">
                 <a:solidFill>
                   <a:srgbClr val="000000"/>
                 </a:solidFill>
@@ -24650,7 +24665,7 @@
             </a:r>
           </a:p>
           <a:p>
-            <a:pPr marL="457200" indent="0" algn="l">
+            <a:pPr marL="225425" indent="0" algn="l">
               <a:lnSpc>
                 <a:spcPct val="100000"/>
               </a:lnSpc>
@@ -24663,26 +24678,26 @@
               <a:buNone/>
             </a:pPr>
             <a:r>
-              <a:rPr lang="en-US" sz="1400" dirty="0">
+              <a:rPr lang="en-US" sz="1200" dirty="0">
                 <a:solidFill>
                   <a:srgbClr val="005032"/>
                 </a:solidFill>
                 <a:latin typeface="Consolas" panose="020B0609020204030204" pitchFamily="49" charset="0"/>
               </a:rPr>
-              <a:t>and2_gate_instance_t</a:t>
-            </a:r>
-            <a:r>
-              <a:rPr lang="en-US" sz="1400" dirty="0">
+              <a:t>add2_instance_t</a:t>
+            </a:r>
+            <a:r>
+              <a:rPr lang="en-US" sz="1200" dirty="0">
                 <a:solidFill>
                   <a:srgbClr val="000000"/>
                 </a:solidFill>
                 <a:latin typeface="Consolas" panose="020B0609020204030204" pitchFamily="49" charset="0"/>
               </a:rPr>
-              <a:t> *   this_and2_gate,</a:t>
-            </a:r>
-          </a:p>
-          <a:p>
-            <a:pPr marL="457200" indent="0" algn="l">
+              <a:t> * this_add2,</a:t>
+            </a:r>
+          </a:p>
+          <a:p>
+            <a:pPr marL="225425" indent="0" algn="l">
               <a:lnSpc>
                 <a:spcPct val="100000"/>
               </a:lnSpc>
@@ -24695,7 +24710,7 @@
               <a:buNone/>
             </a:pPr>
             <a:r>
-              <a:rPr lang="en-US" sz="1400" dirty="0">
+              <a:rPr lang="en-US" sz="1200" dirty="0">
                 <a:solidFill>
                   <a:srgbClr val="005032"/>
                 </a:solidFill>
@@ -24704,7 +24719,7 @@
               <a:t>uint8_t</a:t>
             </a:r>
             <a:r>
-              <a:rPr lang="en-US" sz="1400" dirty="0">
+              <a:rPr lang="en-US" sz="1200" dirty="0">
                 <a:solidFill>
                   <a:srgbClr val="000000"/>
                 </a:solidFill>
@@ -24713,7 +24728,7 @@
               <a:t> </a:t>
             </a:r>
             <a:r>
-              <a:rPr lang="en-US" sz="1400" dirty="0" err="1">
+              <a:rPr lang="en-US" sz="1200" dirty="0" err="1">
                 <a:solidFill>
                   <a:srgbClr val="000000"/>
                 </a:solidFill>
@@ -24721,7 +24736,7 @@
               </a:rPr>
               <a:t>bValue</a:t>
             </a:r>
-            <a:endParaRPr lang="en-US" sz="1400" dirty="0">
+            <a:endParaRPr lang="en-US" sz="1200" dirty="0">
               <a:solidFill>
                 <a:srgbClr val="000000"/>
               </a:solidFill>
@@ -24742,7 +24757,7 @@
               <a:buNone/>
             </a:pPr>
             <a:r>
-              <a:rPr lang="en-US" sz="1400" dirty="0">
+              <a:rPr lang="en-US" sz="1200" dirty="0">
                 <a:solidFill>
                   <a:srgbClr val="000000"/>
                 </a:solidFill>
@@ -24765,7 +24780,7 @@
               <a:buNone/>
             </a:pPr>
             <a:r>
-              <a:rPr lang="en-US" sz="1400" dirty="0">
+              <a:rPr lang="en-US" sz="1200" dirty="0">
                 <a:solidFill>
                   <a:srgbClr val="005032"/>
                 </a:solidFill>
@@ -24774,7 +24789,7 @@
               <a:t>uint8_t</a:t>
             </a:r>
             <a:r>
-              <a:rPr lang="en-US" sz="1400" dirty="0">
+              <a:rPr lang="en-US" sz="1200" dirty="0">
                 <a:solidFill>
                   <a:srgbClr val="000000"/>
                 </a:solidFill>
@@ -24783,7 +24798,7 @@
               <a:t> </a:t>
             </a:r>
             <a:r>
-              <a:rPr lang="en-US" sz="1400" b="1" dirty="0" err="1">
+              <a:rPr lang="en-US" sz="1200" b="1" dirty="0" err="1">
                 <a:solidFill>
                   <a:srgbClr val="000000"/>
                 </a:solidFill>
@@ -24791,28 +24806,17 @@
               </a:rPr>
               <a:t>get_ABX</a:t>
             </a:r>
-            <a:endParaRPr lang="en-US" sz="1400" b="1" dirty="0">
-              <a:solidFill>
-                <a:srgbClr val="000000"/>
-              </a:solidFill>
-              <a:latin typeface="Consolas" panose="020B0609020204030204" pitchFamily="49" charset="0"/>
-            </a:endParaRPr>
-          </a:p>
-          <a:p>
-            <a:pPr marL="0" indent="0" algn="l">
-              <a:lnSpc>
-                <a:spcPct val="100000"/>
-              </a:lnSpc>
-              <a:spcBef>
-                <a:spcPts val="0"/>
-              </a:spcBef>
-              <a:spcAft>
-                <a:spcPts val="0"/>
-              </a:spcAft>
-              <a:buNone/>
-            </a:pPr>
-            <a:r>
-              <a:rPr lang="en-US" sz="1400" dirty="0">
+            <a:r>
+              <a:rPr lang="en-US" sz="1200" b="1" dirty="0">
+                <a:solidFill>
+                  <a:srgbClr val="000000"/>
+                </a:solidFill>
+                <a:latin typeface="Consolas" panose="020B0609020204030204" pitchFamily="49" charset="0"/>
+              </a:rPr>
+              <a:t> </a:t>
+            </a:r>
+            <a:r>
+              <a:rPr lang="en-US" sz="1200" dirty="0">
                 <a:solidFill>
                   <a:srgbClr val="000000"/>
                 </a:solidFill>
@@ -24822,7 +24826,7 @@
             </a:r>
           </a:p>
           <a:p>
-            <a:pPr marL="457200" indent="0" algn="l">
+            <a:pPr marL="225425" indent="0" algn="l">
               <a:lnSpc>
                 <a:spcPct val="100000"/>
               </a:lnSpc>
@@ -24835,26 +24839,26 @@
               <a:buNone/>
             </a:pPr>
             <a:r>
-              <a:rPr lang="en-US" sz="1400" dirty="0">
+              <a:rPr lang="en-US" sz="1200" dirty="0">
                 <a:solidFill>
                   <a:srgbClr val="005032"/>
                 </a:solidFill>
                 <a:latin typeface="Consolas" panose="020B0609020204030204" pitchFamily="49" charset="0"/>
               </a:rPr>
-              <a:t>and2_gate_instance_t</a:t>
-            </a:r>
-            <a:r>
-              <a:rPr lang="en-US" sz="1400" dirty="0">
+              <a:t>add2_instance_t</a:t>
+            </a:r>
+            <a:r>
+              <a:rPr lang="en-US" sz="1200" dirty="0">
                 <a:solidFill>
                   <a:srgbClr val="000000"/>
                 </a:solidFill>
                 <a:latin typeface="Consolas" panose="020B0609020204030204" pitchFamily="49" charset="0"/>
               </a:rPr>
-              <a:t> *   this_and2_gate,</a:t>
-            </a:r>
-          </a:p>
-          <a:p>
-            <a:pPr marL="457200" indent="0" algn="l">
+              <a:t> * this_add2,</a:t>
+            </a:r>
+          </a:p>
+          <a:p>
+            <a:pPr marL="225425" indent="0" algn="l">
               <a:lnSpc>
                 <a:spcPct val="100000"/>
               </a:lnSpc>
@@ -24867,7 +24871,7 @@
               <a:buNone/>
             </a:pPr>
             <a:r>
-              <a:rPr lang="en-US" sz="1400" dirty="0">
+              <a:rPr lang="en-US" sz="1200" dirty="0">
                 <a:solidFill>
                   <a:srgbClr val="005032"/>
                 </a:solidFill>
@@ -24876,7 +24880,7 @@
               <a:t>uint8_t</a:t>
             </a:r>
             <a:r>
-              <a:rPr lang="en-US" sz="1400" dirty="0">
+              <a:rPr lang="en-US" sz="1200" dirty="0">
                 <a:solidFill>
                   <a:srgbClr val="000000"/>
                 </a:solidFill>
@@ -24899,7 +24903,7 @@
               <a:buNone/>
             </a:pPr>
             <a:r>
-              <a:rPr lang="en-US" sz="1400" dirty="0">
+              <a:rPr lang="en-US" sz="1200" dirty="0">
                 <a:solidFill>
                   <a:srgbClr val="000000"/>
                 </a:solidFill>
@@ -24909,22 +24913,6 @@
             </a:r>
           </a:p>
           <a:p>
-            <a:pPr algn="l">
-              <a:lnSpc>
-                <a:spcPct val="100000"/>
-              </a:lnSpc>
-              <a:spcBef>
-                <a:spcPts val="0"/>
-              </a:spcBef>
-              <a:spcAft>
-                <a:spcPts val="0"/>
-              </a:spcAft>
-            </a:pPr>
-            <a:endParaRPr lang="en-US" sz="1400" dirty="0">
-              <a:latin typeface="Consolas" panose="020B0609020204030204" pitchFamily="49" charset="0"/>
-            </a:endParaRPr>
-          </a:p>
-          <a:p>
             <a:pPr marL="0" indent="0" algn="l">
               <a:lnSpc>
                 <a:spcPct val="100000"/>
@@ -24937,8 +24925,25 @@
               </a:spcAft>
               <a:buNone/>
             </a:pPr>
-            <a:r>
-              <a:rPr lang="en-US" sz="1400" b="1" dirty="0">
+            <a:endParaRPr lang="en-US" sz="1200" dirty="0">
+              <a:latin typeface="Consolas" panose="020B0609020204030204" pitchFamily="49" charset="0"/>
+            </a:endParaRPr>
+          </a:p>
+          <a:p>
+            <a:pPr marL="0" indent="0" algn="l">
+              <a:lnSpc>
+                <a:spcPct val="100000"/>
+              </a:lnSpc>
+              <a:spcBef>
+                <a:spcPts val="0"/>
+              </a:spcBef>
+              <a:spcAft>
+                <a:spcPts val="0"/>
+              </a:spcAft>
+              <a:buNone/>
+            </a:pPr>
+            <a:r>
+              <a:rPr lang="en-US" sz="1200" b="1" dirty="0">
                 <a:solidFill>
                   <a:srgbClr val="7F0055"/>
                 </a:solidFill>
@@ -24947,7 +24952,7 @@
               <a:t>#endif</a:t>
             </a:r>
             <a:r>
-              <a:rPr lang="en-US" sz="1400" b="1" dirty="0">
+              <a:rPr lang="en-US" sz="1200" b="1" dirty="0">
                 <a:solidFill>
                   <a:srgbClr val="000000"/>
                 </a:solidFill>
@@ -24956,7 +24961,7 @@
               <a:t> </a:t>
             </a:r>
             <a:r>
-              <a:rPr lang="en-US" sz="1400" b="1" dirty="0">
+              <a:rPr lang="en-US" sz="1200" b="1" dirty="0">
                 <a:solidFill>
                   <a:srgbClr val="3F7F5F"/>
                 </a:solidFill>
@@ -24978,7 +24983,7 @@
               </a:spcAft>
               <a:buNone/>
             </a:pPr>
-            <a:endParaRPr lang="en-US" sz="1400" dirty="0"/>
+            <a:endParaRPr lang="en-US" sz="1200" dirty="0"/>
           </a:p>
         </p:txBody>
       </p:sp>
@@ -25086,7 +25091,7 @@
               <a:buNone/>
             </a:pPr>
             <a:r>
-              <a:rPr lang="en-US" sz="1400" b="1" dirty="0">
+              <a:rPr lang="en-US" sz="1200" b="1" dirty="0">
                 <a:solidFill>
                   <a:srgbClr val="7F0055"/>
                 </a:solidFill>
@@ -25095,7 +25100,7 @@
               <a:t>#ifndef</a:t>
             </a:r>
             <a:r>
-              <a:rPr lang="en-US" sz="1400" b="1" dirty="0">
+              <a:rPr lang="en-US" sz="1200" b="1" dirty="0">
                 <a:solidFill>
                   <a:srgbClr val="000000"/>
                 </a:solidFill>
@@ -25118,7 +25123,7 @@
               <a:buNone/>
             </a:pPr>
             <a:r>
-              <a:rPr lang="en-US" sz="1400" b="1" dirty="0">
+              <a:rPr lang="en-US" sz="1200" b="1" dirty="0">
                 <a:solidFill>
                   <a:srgbClr val="7F0055"/>
                 </a:solidFill>
@@ -25127,7 +25132,7 @@
               <a:t>#define</a:t>
             </a:r>
             <a:r>
-              <a:rPr lang="en-US" sz="1400" b="1" dirty="0">
+              <a:rPr lang="en-US" sz="1200" b="1" dirty="0">
                 <a:solidFill>
                   <a:srgbClr val="000000"/>
                 </a:solidFill>
@@ -25149,7 +25154,33 @@
               </a:spcAft>
               <a:buNone/>
             </a:pPr>
-            <a:endParaRPr lang="en-US" sz="1400" dirty="0">
+            <a:endParaRPr lang="en-US" sz="1200" dirty="0">
+              <a:latin typeface="Consolas" panose="020B0609020204030204" pitchFamily="49" charset="0"/>
+            </a:endParaRPr>
+          </a:p>
+          <a:p>
+            <a:pPr marL="0" indent="0">
+              <a:lnSpc>
+                <a:spcPct val="100000"/>
+              </a:lnSpc>
+              <a:spcBef>
+                <a:spcPts val="0"/>
+              </a:spcBef>
+              <a:spcAft>
+                <a:spcPts val="0"/>
+              </a:spcAft>
+              <a:buNone/>
+            </a:pPr>
+            <a:r>
+              <a:rPr lang="en-US" sz="1200" b="1" dirty="0">
+                <a:solidFill>
+                  <a:srgbClr val="3F7F5F"/>
+                </a:solidFill>
+                <a:latin typeface="Consolas" panose="020B0609020204030204" pitchFamily="49" charset="0"/>
+              </a:rPr>
+              <a:t>/* Register Addresses */</a:t>
+            </a:r>
+            <a:endParaRPr lang="en-US" sz="1200" dirty="0">
               <a:latin typeface="Consolas" panose="020B0609020204030204" pitchFamily="49" charset="0"/>
             </a:endParaRPr>
           </a:p>
@@ -25167,7 +25198,7 @@
               <a:buNone/>
             </a:pPr>
             <a:r>
-              <a:rPr lang="en-US" sz="1400" b="1" dirty="0">
+              <a:rPr lang="en-US" sz="1200" b="1" dirty="0">
                 <a:solidFill>
                   <a:srgbClr val="7F0055"/>
                 </a:solidFill>
@@ -25176,7 +25207,7 @@
               <a:t>#define</a:t>
             </a:r>
             <a:r>
-              <a:rPr lang="en-US" sz="1400" b="1" dirty="0">
+              <a:rPr lang="en-US" sz="1200" b="1" dirty="0">
                 <a:solidFill>
                   <a:srgbClr val="000000"/>
                 </a:solidFill>
@@ -25199,7 +25230,7 @@
               <a:buNone/>
             </a:pPr>
             <a:r>
-              <a:rPr lang="nn-NO" sz="1400" b="1" dirty="0">
+              <a:rPr lang="nn-NO" sz="1200" b="1" dirty="0">
                 <a:solidFill>
                   <a:srgbClr val="7F0055"/>
                 </a:solidFill>
@@ -25208,7 +25239,7 @@
               <a:t>#define</a:t>
             </a:r>
             <a:r>
-              <a:rPr lang="nn-NO" sz="1400" b="1" dirty="0">
+              <a:rPr lang="nn-NO" sz="1200" b="1" dirty="0">
                 <a:solidFill>
                   <a:srgbClr val="000000"/>
                 </a:solidFill>
@@ -25231,7 +25262,7 @@
               <a:buNone/>
             </a:pPr>
             <a:r>
-              <a:rPr lang="nn-NO" sz="1400" b="1" dirty="0">
+              <a:rPr lang="nn-NO" sz="1200" b="1" dirty="0">
                 <a:solidFill>
                   <a:srgbClr val="7F0055"/>
                 </a:solidFill>
@@ -25240,7 +25271,7 @@
               <a:t>#define</a:t>
             </a:r>
             <a:r>
-              <a:rPr lang="nn-NO" sz="1400" b="1" dirty="0">
+              <a:rPr lang="nn-NO" sz="1200" b="1" dirty="0">
                 <a:solidFill>
                   <a:srgbClr val="000000"/>
                 </a:solidFill>
@@ -25262,7 +25293,7 @@
               </a:spcAft>
               <a:buNone/>
             </a:pPr>
-            <a:endParaRPr lang="en-US" sz="1400" dirty="0">
+            <a:endParaRPr lang="en-US" sz="1200" dirty="0">
               <a:latin typeface="Consolas" panose="020B0609020204030204" pitchFamily="49" charset="0"/>
             </a:endParaRPr>
           </a:p>
@@ -25280,7 +25311,7 @@
               <a:buNone/>
             </a:pPr>
             <a:r>
-              <a:rPr lang="en-US" sz="1400" b="1" dirty="0">
+              <a:rPr lang="en-US" sz="1200" b="1" dirty="0">
                 <a:solidFill>
                   <a:srgbClr val="7F0055"/>
                 </a:solidFill>
@@ -25289,7 +25320,7 @@
               <a:t>#endif</a:t>
             </a:r>
             <a:r>
-              <a:rPr lang="en-US" sz="1400" b="1" dirty="0">
+              <a:rPr lang="en-US" sz="1200" b="1" dirty="0">
                 <a:solidFill>
                   <a:srgbClr val="000000"/>
                 </a:solidFill>
@@ -25298,7 +25329,7 @@
               <a:t> </a:t>
             </a:r>
             <a:r>
-              <a:rPr lang="en-US" sz="1400" b="1" dirty="0">
+              <a:rPr lang="en-US" sz="1200" b="1" dirty="0">
                 <a:solidFill>
                   <a:srgbClr val="3F7F5F"/>
                 </a:solidFill>
@@ -25320,7 +25351,7 @@
               </a:spcAft>
               <a:buNone/>
             </a:pPr>
-            <a:endParaRPr lang="en-US" sz="1400" dirty="0"/>
+            <a:endParaRPr lang="en-US" sz="1200" dirty="0"/>
           </a:p>
         </p:txBody>
       </p:sp>
@@ -25696,7 +25727,7 @@
                 </a:solidFill>
                 <a:latin typeface="Consolas" panose="020B0609020204030204" pitchFamily="49" charset="0"/>
               </a:rPr>
-              <a:t> AND2_GATE_init </a:t>
+              <a:t> ADD2_init </a:t>
             </a:r>
             <a:r>
               <a:rPr lang="en-US" sz="1200" dirty="0">
@@ -25709,7 +25740,7 @@
             </a:r>
           </a:p>
           <a:p>
-            <a:pPr marL="228600" indent="0" algn="l">
+            <a:pPr marL="225425" indent="0" algn="l">
               <a:lnSpc>
                 <a:spcPct val="100000"/>
               </a:lnSpc>
@@ -25728,7 +25759,7 @@
                 </a:solidFill>
                 <a:latin typeface="Consolas" panose="020B0609020204030204" pitchFamily="49" charset="0"/>
               </a:rPr>
-              <a:t>and2_gate_instance_t</a:t>
+              <a:t>add2_instance_t</a:t>
             </a:r>
             <a:r>
               <a:rPr lang="en-US" sz="1200" dirty="0">
@@ -25737,11 +25768,11 @@
                 </a:solidFill>
                 <a:latin typeface="Consolas" panose="020B0609020204030204" pitchFamily="49" charset="0"/>
               </a:rPr>
-              <a:t> *   this_and2_gate,</a:t>
-            </a:r>
-          </a:p>
-          <a:p>
-            <a:pPr marL="228600" indent="0" algn="l">
+              <a:t> * this_add2,</a:t>
+            </a:r>
+          </a:p>
+          <a:p>
+            <a:pPr marL="225425" indent="0" algn="l">
               <a:lnSpc>
                 <a:spcPct val="100000"/>
               </a:lnSpc>
@@ -25811,7 +25842,7 @@
             </a:r>
           </a:p>
           <a:p>
-            <a:pPr marL="228600" indent="0" algn="l">
+            <a:pPr marL="225425" indent="0" algn="l">
               <a:lnSpc>
                 <a:spcPct val="100000"/>
               </a:lnSpc>
@@ -25830,7 +25861,7 @@
                 </a:solidFill>
                 <a:latin typeface="Consolas" panose="020B0609020204030204" pitchFamily="49" charset="0"/>
               </a:rPr>
-              <a:t>this_and2_gate-&gt;</a:t>
+              <a:t>this_add2-&gt;</a:t>
             </a:r>
             <a:r>
               <a:rPr lang="en-US" sz="1200" dirty="0" err="1">
@@ -25870,7 +25901,24 @@
             </a:r>
           </a:p>
           <a:p>
-            <a:pPr marL="228600" indent="0" algn="l">
+            <a:pPr marL="225425" indent="0" algn="l">
+              <a:lnSpc>
+                <a:spcPct val="100000"/>
+              </a:lnSpc>
+              <a:spcBef>
+                <a:spcPts val="0"/>
+              </a:spcBef>
+              <a:spcAft>
+                <a:spcPts val="0"/>
+              </a:spcAft>
+              <a:buNone/>
+            </a:pPr>
+            <a:endParaRPr lang="en-US" sz="1200" dirty="0">
+              <a:latin typeface="Consolas" panose="020B0609020204030204" pitchFamily="49" charset="0"/>
+            </a:endParaRPr>
+          </a:p>
+          <a:p>
+            <a:pPr marL="225425" indent="0" algn="l">
               <a:lnSpc>
                 <a:spcPct val="100000"/>
               </a:lnSpc>
@@ -25889,17 +25937,11 @@
                 </a:solidFill>
                 <a:latin typeface="Consolas" panose="020B0609020204030204" pitchFamily="49" charset="0"/>
               </a:rPr>
-              <a:t>// clears A and B registers</a:t>
-            </a:r>
-            <a:endParaRPr lang="en-US" sz="1200" dirty="0">
-              <a:solidFill>
-                <a:srgbClr val="000000"/>
-              </a:solidFill>
-              <a:latin typeface="Consolas" panose="020B0609020204030204" pitchFamily="49" charset="0"/>
-            </a:endParaRPr>
-          </a:p>
-          <a:p>
-            <a:pPr marL="228600" indent="0" algn="l">
+              <a:t>// clear all</a:t>
+            </a:r>
+          </a:p>
+          <a:p>
+            <a:pPr marL="225425" indent="0" algn="l">
               <a:lnSpc>
                 <a:spcPct val="100000"/>
               </a:lnSpc>
@@ -25918,7 +25960,7 @@
                 </a:solidFill>
                 <a:latin typeface="Consolas" panose="020B0609020204030204" pitchFamily="49" charset="0"/>
               </a:rPr>
-              <a:t>HAL_set_8bit_reg(this_and2_gate-&gt;</a:t>
+              <a:t>HAL_set_8bit_reg(this_add2-&gt;</a:t>
             </a:r>
             <a:r>
               <a:rPr lang="en-US" sz="1200" dirty="0" err="1">
@@ -25940,7 +25982,7 @@
             </a:r>
           </a:p>
           <a:p>
-            <a:pPr marL="228600" indent="0" algn="l">
+            <a:pPr marL="225425" indent="0" algn="l">
               <a:lnSpc>
                 <a:spcPct val="100000"/>
               </a:lnSpc>
@@ -25959,7 +26001,7 @@
                 </a:solidFill>
                 <a:latin typeface="Consolas" panose="020B0609020204030204" pitchFamily="49" charset="0"/>
               </a:rPr>
-              <a:t>HAL_set_8bit_reg(this_and2_gate-&gt;</a:t>
+              <a:t>HAL_set_8bit_reg(this_add2-&gt;</a:t>
             </a:r>
             <a:r>
               <a:rPr lang="en-US" sz="1200" dirty="0" err="1">
@@ -26080,7 +26122,7 @@
             </a:r>
           </a:p>
           <a:p>
-            <a:pPr marL="228600" indent="0" algn="l">
+            <a:pPr marL="225425" indent="0" algn="l">
               <a:lnSpc>
                 <a:spcPct val="100000"/>
               </a:lnSpc>
@@ -26099,7 +26141,7 @@
                 </a:solidFill>
                 <a:latin typeface="Consolas" panose="020B0609020204030204" pitchFamily="49" charset="0"/>
               </a:rPr>
-              <a:t>and2_gate_instance_t</a:t>
+              <a:t>add2_instance_t</a:t>
             </a:r>
             <a:r>
               <a:rPr lang="en-US" sz="1200" dirty="0">
@@ -26108,11 +26150,11 @@
                 </a:solidFill>
                 <a:latin typeface="Consolas" panose="020B0609020204030204" pitchFamily="49" charset="0"/>
               </a:rPr>
-              <a:t> *   this_and2_gate,</a:t>
-            </a:r>
-          </a:p>
-          <a:p>
-            <a:pPr marL="228600" indent="0" algn="l">
+              <a:t> * this_add2,</a:t>
+            </a:r>
+          </a:p>
+          <a:p>
+            <a:pPr marL="225425" indent="0" algn="l">
               <a:lnSpc>
                 <a:spcPct val="100000"/>
               </a:lnSpc>
@@ -26182,7 +26224,7 @@
             </a:r>
           </a:p>
           <a:p>
-            <a:pPr marL="228600" indent="0" algn="l">
+            <a:pPr marL="225425" indent="0" algn="l">
               <a:lnSpc>
                 <a:spcPct val="100000"/>
               </a:lnSpc>
@@ -26201,7 +26243,7 @@
                 </a:solidFill>
                 <a:latin typeface="Consolas" panose="020B0609020204030204" pitchFamily="49" charset="0"/>
               </a:rPr>
-              <a:t>HAL_set_8bit_reg(this_and2_gate-&gt;</a:t>
+              <a:t>HAL_set_8bit_reg(this_add2-&gt;</a:t>
             </a:r>
             <a:r>
               <a:rPr lang="en-US" sz="1200" dirty="0" err="1">
@@ -26241,7 +26283,7 @@
             </a:r>
           </a:p>
           <a:p>
-            <a:pPr marL="228600" indent="0" algn="l">
+            <a:pPr marL="225425" indent="0" algn="l">
               <a:lnSpc>
                 <a:spcPct val="100000"/>
               </a:lnSpc>
@@ -26278,7 +26320,7 @@
                 </a:solidFill>
                 <a:latin typeface="Consolas" panose="020B0609020204030204" pitchFamily="49" charset="0"/>
               </a:rPr>
-              <a:t>( this_and2_gate ) == </a:t>
+              <a:t>( this_add2 ) == </a:t>
             </a:r>
             <a:r>
               <a:rPr lang="en-US" sz="1200" dirty="0" err="1">
@@ -26298,6 +26340,9 @@
               </a:rPr>
               <a:t> );</a:t>
             </a:r>
+            <a:endParaRPr lang="en-US" sz="1200" dirty="0">
+              <a:latin typeface="Consolas" panose="020B0609020204030204" pitchFamily="49" charset="0"/>
+            </a:endParaRPr>
           </a:p>
           <a:p>
             <a:pPr marL="0" indent="0" algn="l">
@@ -26403,23 +26448,6 @@
               </a:spcAft>
               <a:buNone/>
             </a:pPr>
-            <a:endParaRPr lang="en-US" sz="1200" dirty="0">
-              <a:latin typeface="Consolas" panose="020B0609020204030204" pitchFamily="49" charset="0"/>
-            </a:endParaRPr>
-          </a:p>
-          <a:p>
-            <a:pPr marL="0" indent="0" algn="l">
-              <a:lnSpc>
-                <a:spcPct val="100000"/>
-              </a:lnSpc>
-              <a:spcBef>
-                <a:spcPts val="0"/>
-              </a:spcBef>
-              <a:spcAft>
-                <a:spcPts val="0"/>
-              </a:spcAft>
-              <a:buNone/>
-            </a:pPr>
             <a:r>
               <a:rPr lang="en-US" sz="1200" b="1" dirty="0">
                 <a:solidFill>
@@ -26467,7 +26495,7 @@
             </a:r>
           </a:p>
           <a:p>
-            <a:pPr marL="228600" indent="0" algn="l">
+            <a:pPr marL="225425" indent="0" algn="l">
               <a:lnSpc>
                 <a:spcPct val="100000"/>
               </a:lnSpc>
@@ -26486,7 +26514,7 @@
                 </a:solidFill>
                 <a:latin typeface="Consolas" panose="020B0609020204030204" pitchFamily="49" charset="0"/>
               </a:rPr>
-              <a:t>and2_gate_instance_t</a:t>
+              <a:t>add2_instance_t</a:t>
             </a:r>
             <a:r>
               <a:rPr lang="en-US" sz="1200" dirty="0">
@@ -26495,11 +26523,11 @@
                 </a:solidFill>
                 <a:latin typeface="Consolas" panose="020B0609020204030204" pitchFamily="49" charset="0"/>
               </a:rPr>
-              <a:t> *   this_and2_gate,</a:t>
-            </a:r>
-          </a:p>
-          <a:p>
-            <a:pPr marL="228600" indent="0" algn="l">
+              <a:t> * this_add2,</a:t>
+            </a:r>
+          </a:p>
+          <a:p>
+            <a:pPr marL="225425" indent="0" algn="l">
               <a:lnSpc>
                 <a:spcPct val="100000"/>
               </a:lnSpc>
@@ -26569,7 +26597,7 @@
             </a:r>
           </a:p>
           <a:p>
-            <a:pPr marL="228600" indent="0" algn="l">
+            <a:pPr marL="225425" indent="0" algn="l">
               <a:lnSpc>
                 <a:spcPct val="100000"/>
               </a:lnSpc>
@@ -26588,7 +26616,7 @@
                 </a:solidFill>
                 <a:latin typeface="Consolas" panose="020B0609020204030204" pitchFamily="49" charset="0"/>
               </a:rPr>
-              <a:t>HAL_set_8bit_reg(this_and2_gate-&gt;</a:t>
+              <a:t>HAL_set_8bit_reg(this_add2-&gt;</a:t>
             </a:r>
             <a:r>
               <a:rPr lang="en-US" sz="1200" dirty="0" err="1">
@@ -26628,7 +26656,7 @@
             </a:r>
           </a:p>
           <a:p>
-            <a:pPr marL="228600" indent="0" algn="l">
+            <a:pPr marL="225425" indent="0" algn="l">
               <a:lnSpc>
                 <a:spcPct val="100000"/>
               </a:lnSpc>
@@ -26665,7 +26693,7 @@
                 </a:solidFill>
                 <a:latin typeface="Consolas" panose="020B0609020204030204" pitchFamily="49" charset="0"/>
               </a:rPr>
-              <a:t>( this_and2_gate ) == </a:t>
+              <a:t>( this_add2 ) == </a:t>
             </a:r>
             <a:r>
               <a:rPr lang="en-US" sz="1200" dirty="0" err="1">
@@ -26789,7 +26817,7 @@
             </a:r>
           </a:p>
           <a:p>
-            <a:pPr marL="228600" indent="0" algn="l">
+            <a:pPr marL="225425" indent="0" algn="l">
               <a:lnSpc>
                 <a:spcPct val="100000"/>
               </a:lnSpc>
@@ -26808,7 +26836,7 @@
                 </a:solidFill>
                 <a:latin typeface="Consolas" panose="020B0609020204030204" pitchFamily="49" charset="0"/>
               </a:rPr>
-              <a:t>and2_gate_instance_t</a:t>
+              <a:t>add2_instance_t</a:t>
             </a:r>
             <a:r>
               <a:rPr lang="en-US" sz="1200" dirty="0">
@@ -26817,11 +26845,11 @@
                 </a:solidFill>
                 <a:latin typeface="Consolas" panose="020B0609020204030204" pitchFamily="49" charset="0"/>
               </a:rPr>
-              <a:t> *   this_and2_gate,</a:t>
-            </a:r>
-          </a:p>
-          <a:p>
-            <a:pPr marL="228600" indent="0" algn="l">
+              <a:t> * this_add2,</a:t>
+            </a:r>
+          </a:p>
+          <a:p>
+            <a:pPr marL="225425" indent="0" algn="l">
               <a:lnSpc>
                 <a:spcPct val="100000"/>
               </a:lnSpc>
@@ -26876,7 +26904,7 @@
             </a:r>
           </a:p>
           <a:p>
-            <a:pPr marL="228600" indent="0" algn="l">
+            <a:pPr marL="225425" indent="0" algn="l">
               <a:lnSpc>
                 <a:spcPct val="100000"/>
               </a:lnSpc>
@@ -26926,7 +26954,7 @@
             </a:r>
           </a:p>
           <a:p>
-            <a:pPr marL="228600" indent="0" algn="l">
+            <a:pPr marL="225425" indent="0" algn="l">
               <a:lnSpc>
                 <a:spcPct val="100000"/>
               </a:lnSpc>
@@ -26958,7 +26986,7 @@
             </a:r>
           </a:p>
           <a:p>
-            <a:pPr marL="457200" indent="0" algn="l">
+            <a:pPr marL="463550" indent="0" algn="l">
               <a:lnSpc>
                 <a:spcPct val="100000"/>
               </a:lnSpc>
@@ -26986,7 +27014,7 @@
                 </a:solidFill>
                 <a:latin typeface="Consolas" panose="020B0609020204030204" pitchFamily="49" charset="0"/>
               </a:rPr>
-              <a:t> = HAL_get_8bit_reg(this_and2_gate-&gt;</a:t>
+              <a:t> = HAL_get_8bit_reg(this_add2-&gt;</a:t>
             </a:r>
             <a:r>
               <a:rPr lang="en-US" sz="1200" dirty="0" err="1">
@@ -27008,7 +27036,7 @@
             </a:r>
           </a:p>
           <a:p>
-            <a:pPr marL="228600" indent="0" algn="l">
+            <a:pPr marL="225425" indent="0" algn="l">
               <a:lnSpc>
                 <a:spcPct val="100000"/>
               </a:lnSpc>
@@ -27058,7 +27086,7 @@
             </a:r>
           </a:p>
           <a:p>
-            <a:pPr marL="457200" indent="0" algn="l">
+            <a:pPr marL="463550" indent="0" algn="l">
               <a:lnSpc>
                 <a:spcPct val="100000"/>
               </a:lnSpc>
@@ -27086,7 +27114,7 @@
                 </a:solidFill>
                 <a:latin typeface="Consolas" panose="020B0609020204030204" pitchFamily="49" charset="0"/>
               </a:rPr>
-              <a:t> = HAL_get_8bit_reg(this_and2_gate-&gt;</a:t>
+              <a:t> = HAL_get_8bit_reg(this_add2-&gt;</a:t>
             </a:r>
             <a:r>
               <a:rPr lang="en-US" sz="1200" dirty="0" err="1">
@@ -27108,7 +27136,7 @@
             </a:r>
           </a:p>
           <a:p>
-            <a:pPr marL="228600" indent="0" algn="l">
+            <a:pPr marL="225425" indent="0" algn="l">
               <a:lnSpc>
                 <a:spcPct val="100000"/>
               </a:lnSpc>
@@ -27158,7 +27186,7 @@
             </a:r>
           </a:p>
           <a:p>
-            <a:pPr marL="457200" indent="0" algn="l">
+            <a:pPr marL="463550" indent="0" algn="l">
               <a:lnSpc>
                 <a:spcPct val="100000"/>
               </a:lnSpc>
@@ -27186,7 +27214,7 @@
                 </a:solidFill>
                 <a:latin typeface="Consolas" panose="020B0609020204030204" pitchFamily="49" charset="0"/>
               </a:rPr>
-              <a:t> = HAL_get_8bit_reg(this_and2_gate-&gt;</a:t>
+              <a:t> = HAL_get_8bit_reg(this_add2-&gt;</a:t>
             </a:r>
             <a:r>
               <a:rPr lang="en-US" sz="1200" dirty="0" err="1">
@@ -27208,7 +27236,7 @@
             </a:r>
           </a:p>
           <a:p>
-            <a:pPr marL="228600" indent="0" algn="l">
+            <a:pPr marL="225425" indent="0" algn="l">
               <a:lnSpc>
                 <a:spcPct val="100000"/>
               </a:lnSpc>
@@ -27231,7 +27259,7 @@
             </a:r>
           </a:p>
           <a:p>
-            <a:pPr marL="457200" indent="0" algn="l">
+            <a:pPr marL="463550" indent="0" algn="l">
               <a:lnSpc>
                 <a:spcPct val="100000"/>
               </a:lnSpc>
@@ -27254,7 +27282,7 @@
             </a:r>
           </a:p>
           <a:p>
-            <a:pPr marL="228600" indent="0" algn="l">
+            <a:pPr marL="225425" indent="0" algn="l">
               <a:lnSpc>
                 <a:spcPct val="100000"/>
               </a:lnSpc>
@@ -27271,7 +27299,7 @@
             </a:endParaRPr>
           </a:p>
           <a:p>
-            <a:pPr marL="228600" indent="0" algn="l">
+            <a:pPr marL="225425" indent="0" algn="l">
               <a:lnSpc>
                 <a:spcPct val="100000"/>
               </a:lnSpc>
@@ -29821,7 +29849,7 @@
             </a:r>
             <a:r>
               <a:rPr lang="en-US" dirty="0"/>
-              <a:t>core the design shown in Fig. ??</a:t>
+              <a:t>core to the design shown in Fig. 12</a:t>
             </a:r>
           </a:p>
           <a:p>
@@ -30825,7 +30853,7 @@
             </a:pPr>
             <a:r>
               <a:rPr lang="en-US" sz="2200" dirty="0"/>
-              <a:t>Go to the bottom of the data sheet to locate the address to ADD2_APB_0</a:t>
+              <a:t>Take note of the address at the bottom of the data sheet for ADD2_APB_0</a:t>
             </a:r>
           </a:p>
         </p:txBody>

--- a/Custom Core from HDL with APB Interface.pptx
+++ b/Custom Core from HDL with APB Interface.pptx
@@ -21407,11 +21407,11 @@
               <a:buAutoNum type="alphaLcParenR"/>
             </a:pPr>
             <a:r>
-              <a:rPr lang="en-US" sz="2200" b="1" dirty="0"/>
+              <a:rPr lang="en-US" sz="2000" b="1" dirty="0"/>
               <a:t>Header File</a:t>
             </a:r>
             <a:r>
-              <a:rPr lang="en-US" sz="2200" dirty="0"/>
+              <a:rPr lang="en-US" sz="2000" dirty="0"/>
               <a:t>: ADD2.h</a:t>
             </a:r>
           </a:p>
@@ -21430,11 +21430,11 @@
               <a:buAutoNum type="alphaLcParenR"/>
             </a:pPr>
             <a:r>
-              <a:rPr lang="en-US" sz="2200" b="1" dirty="0"/>
+              <a:rPr lang="en-US" sz="2000" b="1" dirty="0"/>
               <a:t>Header File</a:t>
             </a:r>
             <a:r>
-              <a:rPr lang="en-US" sz="2200" dirty="0"/>
+              <a:rPr lang="en-US" sz="2000" dirty="0"/>
               <a:t>: ADD2_regs.h</a:t>
             </a:r>
           </a:p>
@@ -21453,11 +21453,11 @@
               <a:buAutoNum type="alphaLcParenR"/>
             </a:pPr>
             <a:r>
-              <a:rPr lang="en-US" sz="2200" b="1" dirty="0"/>
+              <a:rPr lang="en-US" sz="2000" b="1" dirty="0"/>
               <a:t>Source File</a:t>
             </a:r>
             <a:r>
-              <a:rPr lang="en-US" sz="2200" dirty="0"/>
+              <a:rPr lang="en-US" sz="2000" dirty="0"/>
               <a:t>: ADD2.c</a:t>
             </a:r>
           </a:p>
@@ -21493,17 +21493,17 @@
               </a:spcAft>
             </a:pPr>
             <a:r>
-              <a:rPr lang="en-US" sz="2200" dirty="0"/>
+              <a:rPr lang="en-US" sz="2000" dirty="0"/>
               <a:t>You can download the source files </a:t>
             </a:r>
             <a:r>
-              <a:rPr lang="en-US" sz="2200" dirty="0">
+              <a:rPr lang="en-US" sz="2000" dirty="0">
                 <a:hlinkClick r:id="rId2"/>
               </a:rPr>
               <a:t>here</a:t>
             </a:r>
             <a:r>
-              <a:rPr lang="en-US" sz="2200" dirty="0"/>
+              <a:rPr lang="en-US" sz="2000" dirty="0"/>
               <a:t>. </a:t>
             </a:r>
           </a:p>
@@ -21520,26 +21520,26 @@
               </a:spcAft>
             </a:pPr>
             <a:r>
-              <a:rPr lang="en-US" sz="2200" dirty="0"/>
+              <a:rPr lang="en-US" sz="2000" dirty="0"/>
               <a:t>Modify </a:t>
             </a:r>
             <a:r>
-              <a:rPr lang="en-US" sz="2200" b="1" dirty="0"/>
+              <a:rPr lang="en-US" sz="2000" b="1" dirty="0"/>
               <a:t>AND2_GATE_BASE_ADDR</a:t>
             </a:r>
             <a:r>
-              <a:rPr lang="en-US" sz="2200" dirty="0"/>
+              <a:rPr lang="en-US" sz="2000" dirty="0"/>
               <a:t> in </a:t>
             </a:r>
             <a:r>
-              <a:rPr lang="en-US" sz="2200" b="1" dirty="0"/>
+              <a:rPr lang="en-US" sz="2000" b="1" dirty="0"/>
               <a:t>ADD2.h </a:t>
             </a:r>
             <a:r>
-              <a:rPr lang="en-US" sz="2200" dirty="0"/>
+              <a:rPr lang="en-US" sz="2000" dirty="0"/>
               <a:t>to the one found in Step 7 #5</a:t>
             </a:r>
-            <a:endParaRPr lang="en-US" sz="2200" b="1" dirty="0"/>
+            <a:endParaRPr lang="en-US" sz="2000" b="1" dirty="0"/>
           </a:p>
         </p:txBody>
       </p:sp>
@@ -21691,7 +21691,7 @@
         <p:spPr>
           <a:xfrm>
             <a:off x="677930" y="1371600"/>
-            <a:ext cx="4913246" cy="5115539"/>
+            <a:ext cx="5372336" cy="5115539"/>
           </a:xfrm>
         </p:spPr>
         <p:txBody>
@@ -22375,7 +22375,7 @@
               </a:spcAft>
             </a:pPr>
             <a:r>
-              <a:rPr lang="en-US" sz="2200" dirty="0"/>
+              <a:rPr lang="en-US" sz="2000" dirty="0"/>
               <a:t>You can comment out unnecessary code</a:t>
             </a:r>
           </a:p>
@@ -22392,7 +22392,7 @@
               </a:spcAft>
             </a:pPr>
             <a:r>
-              <a:rPr lang="en-US" sz="2200" dirty="0"/>
+              <a:rPr lang="en-US" sz="2000" dirty="0"/>
               <a:t>You can change the intro message. In this case, it is modified to “Checking…”</a:t>
             </a:r>
           </a:p>
@@ -22409,7 +22409,7 @@
               </a:spcAft>
             </a:pPr>
             <a:r>
-              <a:rPr lang="en-US" sz="2200" dirty="0"/>
+              <a:rPr lang="en-US" sz="2000" dirty="0"/>
               <a:t>You can also place the code for ADD2 into a new task</a:t>
             </a:r>
           </a:p>
@@ -22426,20 +22426,20 @@
               </a:spcAft>
             </a:pPr>
             <a:r>
-              <a:rPr lang="en-US" sz="2200" dirty="0">
+              <a:rPr lang="en-US" sz="2000" dirty="0">
                 <a:hlinkClick r:id="rId2"/>
               </a:rPr>
               <a:t>Here</a:t>
             </a:r>
             <a:r>
-              <a:rPr lang="en-US" sz="2200" dirty="0"/>
+              <a:rPr lang="en-US" sz="2000" dirty="0"/>
               <a:t> is the source code for the modified </a:t>
             </a:r>
             <a:r>
-              <a:rPr lang="en-US" sz="2200" dirty="0" err="1"/>
+              <a:rPr lang="en-US" sz="2000" dirty="0" err="1"/>
               <a:t>main.c</a:t>
             </a:r>
-            <a:endParaRPr lang="en-US" sz="2200" dirty="0"/>
+            <a:endParaRPr lang="en-US" sz="2000" dirty="0"/>
           </a:p>
           <a:p>
             <a:pPr marL="457200" indent="-457200">
@@ -22506,7 +22506,7 @@
         </p:nvGrpSpPr>
         <p:grpSpPr>
           <a:xfrm>
-            <a:off x="2754689" y="4807122"/>
+            <a:off x="2622361" y="4414837"/>
             <a:ext cx="2686050" cy="1734324"/>
             <a:chOff x="2754689" y="4807122"/>
             <a:chExt cx="2686050" cy="1734324"/>
@@ -22711,10 +22711,10 @@
       </p:grpSp>
       <p:grpSp>
         <p:nvGrpSpPr>
-          <p:cNvPr id="21" name="Group 20">
+          <p:cNvPr id="11" name="Group 10">
             <a:extLst>
               <a:ext uri="{FF2B5EF4-FFF2-40B4-BE49-F238E27FC236}">
-                <a16:creationId xmlns:a16="http://schemas.microsoft.com/office/drawing/2014/main" id="{2C27411F-D2B1-43F1-A3BA-B406A63AF525}"/>
+                <a16:creationId xmlns:a16="http://schemas.microsoft.com/office/drawing/2014/main" id="{8D7742E3-82D1-4BD8-86E9-390D6281D13B}"/>
               </a:ext>
             </a:extLst>
           </p:cNvPr>
@@ -22723,18 +22723,18 @@
         </p:nvGrpSpPr>
         <p:grpSpPr>
           <a:xfrm>
-            <a:off x="7349200" y="919520"/>
-            <a:ext cx="4007511" cy="5613380"/>
-            <a:chOff x="7349200" y="919520"/>
-            <a:chExt cx="4007511" cy="5613380"/>
+            <a:off x="7284661" y="928066"/>
+            <a:ext cx="4379119" cy="5604834"/>
+            <a:chOff x="7284661" y="928066"/>
+            <a:chExt cx="4379119" cy="5604834"/>
           </a:xfrm>
         </p:grpSpPr>
         <p:pic>
           <p:nvPicPr>
-            <p:cNvPr id="20" name="Picture 19">
+            <p:cNvPr id="6" name="Picture 5">
               <a:extLst>
                 <a:ext uri="{FF2B5EF4-FFF2-40B4-BE49-F238E27FC236}">
-                  <a16:creationId xmlns:a16="http://schemas.microsoft.com/office/drawing/2014/main" id="{1E75C03B-2CDA-42B9-90D3-CDCF1AB09A84}"/>
+                  <a16:creationId xmlns:a16="http://schemas.microsoft.com/office/drawing/2014/main" id="{4F608218-F678-4145-929A-C98BC0F3F6F7}"/>
                 </a:ext>
               </a:extLst>
             </p:cNvPr>
@@ -22751,8 +22751,8 @@
           </p:blipFill>
           <p:spPr>
             <a:xfrm>
-              <a:off x="7391930" y="919520"/>
-              <a:ext cx="3964781" cy="5336381"/>
+              <a:off x="7284661" y="928066"/>
+              <a:ext cx="4379119" cy="5307806"/>
             </a:xfrm>
             <a:prstGeom prst="rect">
               <a:avLst/>
@@ -22773,10 +22773,10 @@
           </p:nvGrpSpPr>
           <p:grpSpPr>
             <a:xfrm>
-              <a:off x="7349200" y="1009650"/>
-              <a:ext cx="3832489" cy="5523250"/>
-              <a:chOff x="7349200" y="1009650"/>
-              <a:chExt cx="3832489" cy="5523250"/>
+              <a:off x="7349200" y="1000125"/>
+              <a:ext cx="3832489" cy="5532775"/>
+              <a:chOff x="7349200" y="1000125"/>
+              <a:chExt cx="3832489" cy="5532775"/>
             </a:xfrm>
           </p:grpSpPr>
           <p:sp>
@@ -22837,7 +22837,7 @@
             </p:nvSpPr>
             <p:spPr>
               <a:xfrm>
-                <a:off x="7349202" y="1009650"/>
+                <a:off x="7349202" y="1000125"/>
                 <a:ext cx="2531397" cy="419100"/>
               </a:xfrm>
               <a:prstGeom prst="rect">
@@ -22941,8 +22941,8 @@
             </p:nvSpPr>
             <p:spPr>
               <a:xfrm>
-                <a:off x="7349200" y="3590844"/>
-                <a:ext cx="2728249" cy="1895555"/>
+                <a:off x="7349200" y="3600369"/>
+                <a:ext cx="3214025" cy="1895555"/>
               </a:xfrm>
               <a:prstGeom prst="rect">
                 <a:avLst/>
@@ -23063,7 +23063,7 @@
         <p:spPr>
           <a:xfrm>
             <a:off x="677929" y="1371600"/>
-            <a:ext cx="6065771" cy="5115539"/>
+            <a:ext cx="7453813" cy="5115539"/>
           </a:xfrm>
         </p:spPr>
         <p:txBody>
@@ -23086,8 +23086,36 @@
               <a:buAutoNum type="arabicPeriod"/>
             </a:pPr>
             <a:r>
-              <a:rPr lang="en-US" dirty="0"/>
-              <a:t>Make sure the board is connected</a:t>
+              <a:rPr lang="en-US" sz="2000" dirty="0"/>
+              <a:t>Open a terminal from </a:t>
+            </a:r>
+            <a:r>
+              <a:rPr lang="en-US" sz="2000" b="1" dirty="0"/>
+              <a:t>Windows</a:t>
+            </a:r>
+            <a:r>
+              <a:rPr lang="en-US" sz="2000" dirty="0"/>
+              <a:t> &gt; </a:t>
+            </a:r>
+            <a:r>
+              <a:rPr lang="en-US" sz="2000" b="1" dirty="0"/>
+              <a:t>Show</a:t>
+            </a:r>
+            <a:r>
+              <a:rPr lang="en-US" sz="2000" dirty="0"/>
+              <a:t> </a:t>
+            </a:r>
+            <a:r>
+              <a:rPr lang="en-US" sz="2000" b="1" dirty="0"/>
+              <a:t>View</a:t>
+            </a:r>
+            <a:r>
+              <a:rPr lang="en-US" sz="2000" dirty="0"/>
+              <a:t> &gt; </a:t>
+            </a:r>
+            <a:r>
+              <a:rPr lang="en-US" sz="2000" b="1" dirty="0"/>
+              <a:t>Terminals</a:t>
             </a:r>
           </a:p>
           <a:p>
@@ -23105,36 +23133,20 @@
               <a:buAutoNum type="arabicPeriod"/>
             </a:pPr>
             <a:r>
-              <a:rPr lang="en-US" dirty="0"/>
-              <a:t>Open a terminal by going to </a:t>
-            </a:r>
-            <a:r>
-              <a:rPr lang="en-US" b="1" dirty="0"/>
-              <a:t>Windows</a:t>
-            </a:r>
-            <a:r>
-              <a:rPr lang="en-US" dirty="0"/>
-              <a:t> &gt; </a:t>
-            </a:r>
-            <a:r>
-              <a:rPr lang="en-US" b="1" dirty="0"/>
-              <a:t>Show</a:t>
-            </a:r>
-            <a:r>
-              <a:rPr lang="en-US" dirty="0"/>
-              <a:t> </a:t>
-            </a:r>
-            <a:r>
-              <a:rPr lang="en-US" b="1" dirty="0"/>
-              <a:t>View</a:t>
-            </a:r>
-            <a:r>
-              <a:rPr lang="en-US" dirty="0"/>
-              <a:t> &gt; </a:t>
-            </a:r>
-            <a:r>
-              <a:rPr lang="en-US" b="1" dirty="0"/>
-              <a:t>Terminals</a:t>
+              <a:rPr lang="en-US" sz="2000" dirty="0"/>
+              <a:t>Click </a:t>
+            </a:r>
+            <a:r>
+              <a:rPr lang="en-US" sz="2000" b="1" dirty="0"/>
+              <a:t>Open a Terminal, </a:t>
+            </a:r>
+            <a:r>
+              <a:rPr lang="en-US" sz="2000" dirty="0"/>
+              <a:t>select correct serial port, and click </a:t>
+            </a:r>
+            <a:r>
+              <a:rPr lang="en-US" sz="2000" b="1" dirty="0"/>
+              <a:t>OK</a:t>
             </a:r>
           </a:p>
           <a:p>
@@ -23152,16 +23164,20 @@
               <a:buAutoNum type="arabicPeriod"/>
             </a:pPr>
             <a:r>
-              <a:rPr lang="en-US" dirty="0"/>
-              <a:t>Click on </a:t>
-            </a:r>
-            <a:r>
-              <a:rPr lang="en-US" b="1" dirty="0"/>
-              <a:t>Open a Terminal</a:t>
-            </a:r>
-            <a:r>
-              <a:rPr lang="en-US" dirty="0"/>
-              <a:t> and select the correct serial port</a:t>
+              <a:rPr lang="en-US" sz="2000" dirty="0"/>
+              <a:t>Select the project and go to </a:t>
+            </a:r>
+            <a:r>
+              <a:rPr lang="en-US" sz="2000" b="1" dirty="0"/>
+              <a:t>Run</a:t>
+            </a:r>
+            <a:r>
+              <a:rPr lang="en-US" sz="2000" dirty="0"/>
+              <a:t> &gt; </a:t>
+            </a:r>
+            <a:r>
+              <a:rPr lang="en-US" sz="2000" b="1" dirty="0"/>
+              <a:t>Debug Configurations</a:t>
             </a:r>
           </a:p>
           <a:p>
@@ -23179,12 +23195,24 @@
               <a:buAutoNum type="arabicPeriod"/>
             </a:pPr>
             <a:r>
-              <a:rPr lang="en-US" dirty="0"/>
-              <a:t>Click </a:t>
-            </a:r>
-            <a:r>
-              <a:rPr lang="en-US" b="1" dirty="0"/>
-              <a:t>OK</a:t>
+              <a:rPr lang="en-US" sz="2000" dirty="0"/>
+              <a:t>In </a:t>
+            </a:r>
+            <a:r>
+              <a:rPr lang="en-US" sz="2000" b="1" dirty="0"/>
+              <a:t>Main</a:t>
+            </a:r>
+            <a:r>
+              <a:rPr lang="en-US" sz="2000" dirty="0"/>
+              <a:t> tab, confirm </a:t>
+            </a:r>
+            <a:r>
+              <a:rPr lang="en-US" sz="2000" b="1" dirty="0"/>
+              <a:t>C/C++ Applications </a:t>
+            </a:r>
+            <a:r>
+              <a:rPr lang="en-US" sz="2000" dirty="0"/>
+              <a:t>is using correct .elf file</a:t>
             </a:r>
           </a:p>
           <a:p>
@@ -23202,20 +23230,153 @@
               <a:buAutoNum type="arabicPeriod"/>
             </a:pPr>
             <a:r>
+              <a:rPr lang="en-US" sz="2000" dirty="0"/>
+              <a:t>In </a:t>
+            </a:r>
+            <a:r>
+              <a:rPr lang="en-US" sz="2000" b="1" dirty="0"/>
+              <a:t>Debugger</a:t>
+            </a:r>
+            <a:r>
+              <a:rPr lang="en-US" sz="2000" dirty="0"/>
+              <a:t> tab, add to </a:t>
+            </a:r>
+          </a:p>
+          <a:p>
+            <a:pPr marL="914400" lvl="1" indent="-228600">
+              <a:lnSpc>
+                <a:spcPct val="100000"/>
+              </a:lnSpc>
+              <a:spcBef>
+                <a:spcPts val="0"/>
+              </a:spcBef>
+              <a:spcAft>
+                <a:spcPts val="0"/>
+              </a:spcAft>
+            </a:pPr>
+            <a:r>
+              <a:rPr lang="en-US" b="1" dirty="0"/>
+              <a:t>Config Options</a:t>
+            </a:r>
+          </a:p>
+          <a:p>
+            <a:pPr marL="1143000" lvl="1" indent="0">
+              <a:lnSpc>
+                <a:spcPct val="100000"/>
+              </a:lnSpc>
+              <a:spcBef>
+                <a:spcPts val="0"/>
+              </a:spcBef>
+              <a:spcAft>
+                <a:spcPts val="0"/>
+              </a:spcAft>
+              <a:buNone/>
+            </a:pPr>
+            <a:r>
               <a:rPr lang="en-US" dirty="0"/>
-              <a:t>Select the project and go to </a:t>
-            </a:r>
+              <a:t>--command "set DEVICE M2GL025“</a:t>
+            </a:r>
+          </a:p>
+          <a:p>
+            <a:pPr marL="1143000" lvl="1" indent="0">
+              <a:lnSpc>
+                <a:spcPct val="100000"/>
+              </a:lnSpc>
+              <a:spcBef>
+                <a:spcPts val="0"/>
+              </a:spcBef>
+              <a:spcAft>
+                <a:spcPts val="0"/>
+              </a:spcAft>
+              <a:buNone/>
+            </a:pPr>
+            <a:r>
+              <a:rPr lang="en-US" dirty="0"/>
+              <a:t>--file board/</a:t>
+            </a:r>
+            <a:r>
+              <a:rPr lang="en-US" dirty="0" err="1"/>
+              <a:t>microsemi-riscv.cfg</a:t>
+            </a:r>
+            <a:endParaRPr lang="en-US" dirty="0"/>
+          </a:p>
+          <a:p>
+            <a:pPr marL="914400" lvl="1" indent="-228600">
+              <a:lnSpc>
+                <a:spcPct val="100000"/>
+              </a:lnSpc>
+              <a:spcBef>
+                <a:spcPts val="0"/>
+              </a:spcBef>
+              <a:spcAft>
+                <a:spcPts val="0"/>
+              </a:spcAft>
+            </a:pPr>
             <a:r>
               <a:rPr lang="en-US" b="1" dirty="0"/>
-              <a:t>Run</a:t>
-            </a:r>
+              <a:t>Commands</a:t>
+            </a:r>
+          </a:p>
+          <a:p>
+            <a:pPr marL="1143000" lvl="1" indent="0">
+              <a:lnSpc>
+                <a:spcPct val="100000"/>
+              </a:lnSpc>
+              <a:spcBef>
+                <a:spcPts val="0"/>
+              </a:spcBef>
+              <a:spcAft>
+                <a:spcPts val="0"/>
+              </a:spcAft>
+              <a:buNone/>
+            </a:pPr>
             <a:r>
               <a:rPr lang="en-US" dirty="0"/>
-              <a:t> &gt;</a:t>
-            </a:r>
-            <a:r>
-              <a:rPr lang="en-US" b="1" dirty="0"/>
-              <a:t>Debug Configurations</a:t>
+              <a:t>set $</a:t>
+            </a:r>
+            <a:r>
+              <a:rPr lang="en-US" dirty="0" err="1"/>
+              <a:t>target_riscv</a:t>
+            </a:r>
+            <a:r>
+              <a:rPr lang="en-US" dirty="0"/>
+              <a:t> = 1</a:t>
+            </a:r>
+          </a:p>
+          <a:p>
+            <a:pPr marL="1143000" lvl="1" indent="0">
+              <a:lnSpc>
+                <a:spcPct val="100000"/>
+              </a:lnSpc>
+              <a:spcBef>
+                <a:spcPts val="0"/>
+              </a:spcBef>
+              <a:spcAft>
+                <a:spcPts val="0"/>
+              </a:spcAft>
+              <a:buNone/>
+            </a:pPr>
+            <a:r>
+              <a:rPr lang="en-US" dirty="0"/>
+              <a:t>set mem inaccessible-by-default off</a:t>
+            </a:r>
+          </a:p>
+          <a:p>
+            <a:pPr marL="1143000" lvl="1" indent="0">
+              <a:lnSpc>
+                <a:spcPct val="100000"/>
+              </a:lnSpc>
+              <a:spcBef>
+                <a:spcPts val="0"/>
+              </a:spcBef>
+              <a:spcAft>
+                <a:spcPts val="0"/>
+              </a:spcAft>
+              <a:buNone/>
+            </a:pPr>
+            <a:r>
+              <a:rPr lang="en-US" dirty="0"/>
+              <a:t>set arch riscv:rv32</a:t>
             </a:r>
           </a:p>
           <a:p>
@@ -23233,38 +23394,32 @@
               <a:buAutoNum type="arabicPeriod"/>
             </a:pPr>
             <a:r>
-              <a:rPr lang="en-US" dirty="0"/>
+              <a:rPr lang="en-US" sz="2000" dirty="0"/>
               <a:t>In </a:t>
             </a:r>
             <a:r>
-              <a:rPr lang="en-US" b="1" dirty="0"/>
-              <a:t>Debugger</a:t>
-            </a:r>
-            <a:r>
-              <a:rPr lang="en-US" dirty="0"/>
-              <a:t> tab, add to </a:t>
-            </a:r>
-            <a:r>
-              <a:rPr lang="en-US" b="1" dirty="0"/>
-              <a:t>Config Options</a:t>
-            </a:r>
-          </a:p>
-          <a:p>
-            <a:pPr marL="173736" lvl="1" indent="0">
-              <a:lnSpc>
-                <a:spcPct val="100000"/>
-              </a:lnSpc>
-              <a:spcBef>
-                <a:spcPts val="0"/>
-              </a:spcBef>
-              <a:spcAft>
-                <a:spcPts val="0"/>
-              </a:spcAft>
-              <a:buNone/>
-            </a:pPr>
-            <a:r>
-              <a:rPr lang="en-US" dirty="0"/>
-              <a:t>	--command "set DEVICE M2GL025"</a:t>
+              <a:rPr lang="en-US" sz="2000" b="1" dirty="0"/>
+              <a:t>Startup</a:t>
+            </a:r>
+            <a:r>
+              <a:rPr lang="en-US" sz="2000" dirty="0"/>
+              <a:t> tab, uncheck </a:t>
+            </a:r>
+            <a:r>
+              <a:rPr lang="en-US" sz="2000" b="1" dirty="0"/>
+              <a:t>Enable ARM </a:t>
+            </a:r>
+            <a:r>
+              <a:rPr lang="en-US" sz="2000" b="1" dirty="0" err="1"/>
+              <a:t>semihosting</a:t>
+            </a:r>
+            <a:r>
+              <a:rPr lang="en-US" sz="2000" dirty="0"/>
+              <a:t> and </a:t>
+            </a:r>
+            <a:r>
+              <a:rPr lang="en-US" sz="2000" b="1" dirty="0"/>
+              <a:t>Pre-run/Restart reset</a:t>
             </a:r>
           </a:p>
           <a:p>
@@ -23282,19 +23437,19 @@
               <a:buAutoNum type="arabicPeriod"/>
             </a:pPr>
             <a:r>
-              <a:rPr lang="en-US" dirty="0"/>
+              <a:rPr lang="en-US" sz="2000" dirty="0"/>
               <a:t>Click </a:t>
             </a:r>
             <a:r>
-              <a:rPr lang="en-US" b="1" dirty="0"/>
+              <a:rPr lang="en-US" sz="2000" b="1" dirty="0"/>
               <a:t>Apply</a:t>
             </a:r>
             <a:r>
-              <a:rPr lang="en-US" dirty="0"/>
+              <a:rPr lang="en-US" sz="2000" dirty="0"/>
               <a:t> and then </a:t>
             </a:r>
             <a:r>
-              <a:rPr lang="en-US" b="1" dirty="0"/>
+              <a:rPr lang="en-US" sz="2000" b="1" dirty="0"/>
               <a:t>Debug</a:t>
             </a:r>
           </a:p>
@@ -23313,11 +23468,11 @@
               <a:buAutoNum type="arabicPeriod"/>
             </a:pPr>
             <a:r>
-              <a:rPr lang="en-US" dirty="0"/>
-              <a:t>If no errors, click on </a:t>
-            </a:r>
-            <a:r>
-              <a:rPr lang="en-US" b="1" dirty="0"/>
+              <a:rPr lang="en-US" sz="2000" dirty="0"/>
+              <a:t>After it finishes loading, click on </a:t>
+            </a:r>
+            <a:r>
+              <a:rPr lang="en-US" sz="2000" b="1" dirty="0"/>
               <a:t>Resume (F8)</a:t>
             </a:r>
           </a:p>
@@ -23336,8 +23491,8 @@
               <a:buAutoNum type="arabicPeriod"/>
             </a:pPr>
             <a:r>
-              <a:rPr lang="en-US" dirty="0"/>
-              <a:t>The intro message and the addition of a and b should appear in the terminal</a:t>
+              <a:rPr lang="en-US" sz="2000" dirty="0"/>
+              <a:t>Message will be displayed on terminal window</a:t>
             </a:r>
           </a:p>
         </p:txBody>
@@ -23356,7 +23511,7 @@
         </p:nvGrpSpPr>
         <p:grpSpPr>
           <a:xfrm>
-            <a:off x="8327959" y="885005"/>
+            <a:off x="9098429" y="885005"/>
             <a:ext cx="2097406" cy="2248674"/>
             <a:chOff x="8327959" y="885005"/>
             <a:chExt cx="2097406" cy="2248674"/>
@@ -23443,7 +23598,7 @@
         </p:nvGrpSpPr>
         <p:grpSpPr>
           <a:xfrm>
-            <a:off x="7522143" y="3306395"/>
+            <a:off x="8131743" y="3249037"/>
             <a:ext cx="3709035" cy="1762899"/>
             <a:chOff x="7424974" y="3555430"/>
             <a:chExt cx="3709035" cy="1762899"/>
@@ -23518,10 +23673,10 @@
       </p:grpSp>
       <p:grpSp>
         <p:nvGrpSpPr>
-          <p:cNvPr id="11" name="Group 10">
+          <p:cNvPr id="7" name="Group 6">
             <a:extLst>
               <a:ext uri="{FF2B5EF4-FFF2-40B4-BE49-F238E27FC236}">
-                <a16:creationId xmlns:a16="http://schemas.microsoft.com/office/drawing/2014/main" id="{1BAA497A-E3AC-4E67-AD31-31BC0D601D9A}"/>
+                <a16:creationId xmlns:a16="http://schemas.microsoft.com/office/drawing/2014/main" id="{F84228A9-11C7-47B4-99B1-2D0A4C889414}"/>
               </a:ext>
             </a:extLst>
           </p:cNvPr>
@@ -23530,18 +23685,61 @@
         </p:nvGrpSpPr>
         <p:grpSpPr>
           <a:xfrm>
-            <a:off x="7542859" y="5378082"/>
-            <a:ext cx="3750470" cy="1177112"/>
-            <a:chOff x="7404256" y="5500687"/>
-            <a:chExt cx="3750470" cy="1177112"/>
+            <a:off x="9025779" y="5358663"/>
+            <a:ext cx="2168138" cy="1231285"/>
+            <a:chOff x="8478330" y="5508575"/>
+            <a:chExt cx="2168138" cy="1231285"/>
           </a:xfrm>
         </p:grpSpPr>
+        <p:sp>
+          <p:nvSpPr>
+            <p:cNvPr id="16" name="TextBox 15">
+              <a:extLst>
+                <a:ext uri="{FF2B5EF4-FFF2-40B4-BE49-F238E27FC236}">
+                  <a16:creationId xmlns:a16="http://schemas.microsoft.com/office/drawing/2014/main" id="{FC3FEAB0-A27C-40FE-ACCC-D8C4A96CB63E}"/>
+                </a:ext>
+              </a:extLst>
+            </p:cNvPr>
+            <p:cNvSpPr txBox="1"/>
+            <p:nvPr/>
+          </p:nvSpPr>
+          <p:spPr>
+            <a:xfrm>
+              <a:off x="8478330" y="6278195"/>
+              <a:ext cx="2168138" cy="461665"/>
+            </a:xfrm>
+            <a:prstGeom prst="rect">
+              <a:avLst/>
+            </a:prstGeom>
+            <a:noFill/>
+          </p:spPr>
+          <p:txBody>
+            <a:bodyPr wrap="square" rtlCol="0">
+              <a:spAutoFit/>
+            </a:bodyPr>
+            <a:lstStyle/>
+            <a:p>
+              <a:pPr algn="ctr"/>
+              <a:r>
+                <a:rPr lang="en-US" sz="1200" dirty="0"/>
+                <a:t>Fig. 25. Message in terminal </a:t>
+              </a:r>
+            </a:p>
+            <a:p>
+              <a:pPr algn="ctr"/>
+              <a:r>
+                <a:rPr lang="en-US" sz="1200" dirty="0"/>
+                <a:t>to add a = 2 and b = 5</a:t>
+              </a:r>
+            </a:p>
+          </p:txBody>
+        </p:sp>
         <p:pic>
           <p:nvPicPr>
-            <p:cNvPr id="8" name="Picture 7">
+            <p:cNvPr id="5" name="Picture 4">
               <a:extLst>
                 <a:ext uri="{FF2B5EF4-FFF2-40B4-BE49-F238E27FC236}">
-                  <a16:creationId xmlns:a16="http://schemas.microsoft.com/office/drawing/2014/main" id="{85EF647C-90FC-4C19-A792-D2CD42936BF7}"/>
+                  <a16:creationId xmlns:a16="http://schemas.microsoft.com/office/drawing/2014/main" id="{2F0F8CFA-7DC8-40F4-AC5A-3E485E9A5123}"/>
                 </a:ext>
               </a:extLst>
             </p:cNvPr>
@@ -23558,50 +23756,14 @@
           </p:blipFill>
           <p:spPr>
             <a:xfrm>
-              <a:off x="8479033" y="5500687"/>
-              <a:ext cx="1621631" cy="900113"/>
+              <a:off x="8872789" y="5508575"/>
+              <a:ext cx="1379220" cy="769620"/>
             </a:xfrm>
             <a:prstGeom prst="rect">
               <a:avLst/>
             </a:prstGeom>
           </p:spPr>
         </p:pic>
-        <p:sp>
-          <p:nvSpPr>
-            <p:cNvPr id="16" name="TextBox 15">
-              <a:extLst>
-                <a:ext uri="{FF2B5EF4-FFF2-40B4-BE49-F238E27FC236}">
-                  <a16:creationId xmlns:a16="http://schemas.microsoft.com/office/drawing/2014/main" id="{FC3FEAB0-A27C-40FE-ACCC-D8C4A96CB63E}"/>
-                </a:ext>
-              </a:extLst>
-            </p:cNvPr>
-            <p:cNvSpPr txBox="1"/>
-            <p:nvPr/>
-          </p:nvSpPr>
-          <p:spPr>
-            <a:xfrm>
-              <a:off x="7404256" y="6400800"/>
-              <a:ext cx="3750470" cy="276999"/>
-            </a:xfrm>
-            <a:prstGeom prst="rect">
-              <a:avLst/>
-            </a:prstGeom>
-            <a:noFill/>
-          </p:spPr>
-          <p:txBody>
-            <a:bodyPr wrap="square" rtlCol="0">
-              <a:spAutoFit/>
-            </a:bodyPr>
-            <a:lstStyle/>
-            <a:p>
-              <a:pPr algn="ctr"/>
-              <a:r>
-                <a:rPr lang="en-US" sz="1200" dirty="0"/>
-                <a:t>Fig. 25. Message in the terminal to add a = 2 and b = 5</a:t>
-              </a:r>
-            </a:p>
-          </p:txBody>
-        </p:sp>
       </p:grpSp>
     </p:spTree>
     <p:extLst>
@@ -26932,25 +27094,7 @@
                 </a:solidFill>
                 <a:latin typeface="Consolas" panose="020B0609020204030204" pitchFamily="49" charset="0"/>
               </a:rPr>
-              <a:t> </a:t>
-            </a:r>
-            <a:r>
-              <a:rPr lang="fr-FR" sz="1200" dirty="0" err="1">
-                <a:solidFill>
-                  <a:srgbClr val="000000"/>
-                </a:solidFill>
-                <a:latin typeface="Consolas" panose="020B0609020204030204" pitchFamily="49" charset="0"/>
-              </a:rPr>
-              <a:t>output_x</a:t>
-            </a:r>
-            <a:r>
-              <a:rPr lang="fr-FR" sz="1200" dirty="0">
-                <a:solidFill>
-                  <a:srgbClr val="000000"/>
-                </a:solidFill>
-                <a:latin typeface="Consolas" panose="020B0609020204030204" pitchFamily="49" charset="0"/>
-              </a:rPr>
-              <a:t> = 0;</a:t>
+              <a:t> output = 0;</a:t>
             </a:r>
           </a:p>
           <a:p>
@@ -26999,22 +27143,13 @@
               <a:buNone/>
             </a:pPr>
             <a:r>
-              <a:rPr lang="en-US" sz="1200" dirty="0" err="1">
-                <a:solidFill>
-                  <a:srgbClr val="000000"/>
-                </a:solidFill>
-                <a:latin typeface="Consolas" panose="020B0609020204030204" pitchFamily="49" charset="0"/>
-              </a:rPr>
-              <a:t>output_x</a:t>
-            </a:r>
-            <a:r>
               <a:rPr lang="en-US" sz="1200" dirty="0">
                 <a:solidFill>
                   <a:srgbClr val="000000"/>
                 </a:solidFill>
                 <a:latin typeface="Consolas" panose="020B0609020204030204" pitchFamily="49" charset="0"/>
               </a:rPr>
-              <a:t> = HAL_get_8bit_reg(this_add2-&gt;</a:t>
+              <a:t>output = HAL_get_8bit_reg(this_add2-&gt;</a:t>
             </a:r>
             <a:r>
               <a:rPr lang="en-US" sz="1200" dirty="0" err="1">
@@ -27099,22 +27234,13 @@
               <a:buNone/>
             </a:pPr>
             <a:r>
-              <a:rPr lang="en-US" sz="1200" dirty="0" err="1">
-                <a:solidFill>
-                  <a:srgbClr val="000000"/>
-                </a:solidFill>
-                <a:latin typeface="Consolas" panose="020B0609020204030204" pitchFamily="49" charset="0"/>
-              </a:rPr>
-              <a:t>output_x</a:t>
-            </a:r>
-            <a:r>
               <a:rPr lang="en-US" sz="1200" dirty="0">
                 <a:solidFill>
                   <a:srgbClr val="000000"/>
                 </a:solidFill>
                 <a:latin typeface="Consolas" panose="020B0609020204030204" pitchFamily="49" charset="0"/>
               </a:rPr>
-              <a:t> = HAL_get_8bit_reg(this_add2-&gt;</a:t>
+              <a:t>output = HAL_get_8bit_reg(this_add2-&gt;</a:t>
             </a:r>
             <a:r>
               <a:rPr lang="en-US" sz="1200" dirty="0" err="1">
@@ -27199,22 +27325,13 @@
               <a:buNone/>
             </a:pPr>
             <a:r>
-              <a:rPr lang="en-US" sz="1200" dirty="0" err="1">
-                <a:solidFill>
-                  <a:srgbClr val="000000"/>
-                </a:solidFill>
-                <a:latin typeface="Consolas" panose="020B0609020204030204" pitchFamily="49" charset="0"/>
-              </a:rPr>
-              <a:t>output_x</a:t>
-            </a:r>
-            <a:r>
               <a:rPr lang="en-US" sz="1200" dirty="0">
                 <a:solidFill>
                   <a:srgbClr val="000000"/>
                 </a:solidFill>
                 <a:latin typeface="Consolas" panose="020B0609020204030204" pitchFamily="49" charset="0"/>
               </a:rPr>
-              <a:t> = HAL_get_8bit_reg(this_add2-&gt;</a:t>
+              <a:t>output = HAL_get_8bit_reg(this_add2-&gt;</a:t>
             </a:r>
             <a:r>
               <a:rPr lang="en-US" sz="1200" dirty="0" err="1">
@@ -27312,7 +27429,7 @@
               <a:buNone/>
             </a:pPr>
             <a:r>
-              <a:rPr lang="en-US" sz="1200" b="1" dirty="0">
+              <a:rPr lang="en-US" sz="1200" b="1">
                 <a:solidFill>
                   <a:srgbClr val="7F0055"/>
                 </a:solidFill>
@@ -27321,32 +27438,20 @@
               <a:t>return</a:t>
             </a:r>
             <a:r>
-              <a:rPr lang="en-US" sz="1200" b="1" dirty="0">
+              <a:rPr lang="en-US" sz="1200" b="1">
                 <a:solidFill>
                   <a:srgbClr val="000000"/>
                 </a:solidFill>
                 <a:latin typeface="Consolas" panose="020B0609020204030204" pitchFamily="49" charset="0"/>
               </a:rPr>
-              <a:t> </a:t>
-            </a:r>
-            <a:r>
-              <a:rPr lang="en-US" sz="1200" b="1" dirty="0" err="1">
-                <a:solidFill>
-                  <a:srgbClr val="000000"/>
-                </a:solidFill>
-                <a:latin typeface="Consolas" panose="020B0609020204030204" pitchFamily="49" charset="0"/>
-              </a:rPr>
-              <a:t>output_x</a:t>
-            </a:r>
-            <a:r>
-              <a:rPr lang="en-US" sz="1200" b="1" dirty="0">
-                <a:solidFill>
-                  <a:srgbClr val="000000"/>
-                </a:solidFill>
-                <a:latin typeface="Consolas" panose="020B0609020204030204" pitchFamily="49" charset="0"/>
-              </a:rPr>
-              <a:t>;</a:t>
-            </a:r>
+              <a:t> output;</a:t>
+            </a:r>
+            <a:endParaRPr lang="en-US" sz="1200" b="1" dirty="0">
+              <a:solidFill>
+                <a:srgbClr val="000000"/>
+              </a:solidFill>
+              <a:latin typeface="Consolas" panose="020B0609020204030204" pitchFamily="49" charset="0"/>
+            </a:endParaRPr>
           </a:p>
           <a:p>
             <a:pPr marL="0" indent="0" algn="l">
@@ -29402,11 +29507,11 @@
               <a:buChar char="§"/>
             </a:pPr>
             <a:r>
-              <a:rPr lang="en-US" sz="2200" dirty="0"/>
+              <a:rPr lang="en-US" sz="2000" dirty="0"/>
               <a:t>If not, then click on </a:t>
             </a:r>
             <a:r>
-              <a:rPr lang="en-US" sz="2200" b="1" dirty="0"/>
+              <a:rPr lang="en-US" sz="2000" b="1" dirty="0"/>
               <a:t>Build Hierarchy</a:t>
             </a:r>
           </a:p>
@@ -29744,11 +29849,11 @@
               <a:buAutoNum type="alphaLcParenR"/>
             </a:pPr>
             <a:r>
-              <a:rPr lang="en-US" sz="2200" dirty="0"/>
+              <a:rPr lang="en-US" sz="2000" dirty="0"/>
               <a:t>Double click </a:t>
             </a:r>
             <a:r>
-              <a:rPr lang="en-US" sz="2200" b="1" dirty="0"/>
+              <a:rPr lang="en-US" sz="2000" b="1" dirty="0"/>
               <a:t>APB3_BUS_0</a:t>
             </a:r>
           </a:p>
@@ -29767,7 +29872,7 @@
               <a:buAutoNum type="alphaLcParenR"/>
             </a:pPr>
             <a:r>
-              <a:rPr lang="en-US" sz="2200" dirty="0"/>
+              <a:rPr lang="en-US" sz="2000" dirty="0"/>
               <a:t>Enable another slave slot</a:t>
             </a:r>
           </a:p>
@@ -29786,11 +29891,11 @@
               <a:buAutoNum type="alphaLcParenR"/>
             </a:pPr>
             <a:r>
-              <a:rPr lang="en-US" sz="2200" dirty="0"/>
+              <a:rPr lang="en-US" sz="2000" dirty="0"/>
               <a:t>Click </a:t>
             </a:r>
             <a:r>
-              <a:rPr lang="en-US" sz="2200" b="1" dirty="0"/>
+              <a:rPr lang="en-US" sz="2000" b="1" dirty="0"/>
               <a:t>OK</a:t>
             </a:r>
           </a:p>
@@ -29809,11 +29914,11 @@
               <a:buAutoNum type="alphaLcParenR"/>
             </a:pPr>
             <a:r>
-              <a:rPr lang="en-US" sz="2200" dirty="0"/>
+              <a:rPr lang="en-US" sz="2000" dirty="0"/>
               <a:t>Right-clicking the core and selecting </a:t>
             </a:r>
             <a:r>
-              <a:rPr lang="en-US" sz="2200" b="1" dirty="0"/>
+              <a:rPr lang="en-US" sz="2000" b="1" dirty="0"/>
               <a:t>Update Component</a:t>
             </a:r>
           </a:p>
@@ -29934,26 +30039,26 @@
               </a:spcAft>
             </a:pPr>
             <a:r>
-              <a:rPr lang="en-US" sz="2200" b="1" dirty="0"/>
+              <a:rPr lang="en-US" sz="2000" b="1" dirty="0"/>
               <a:t>ADD2_APB</a:t>
             </a:r>
             <a:r>
-              <a:rPr lang="en-US" sz="2200" dirty="0"/>
+              <a:rPr lang="en-US" sz="2000" dirty="0"/>
               <a:t> should be listed under </a:t>
             </a:r>
             <a:r>
-              <a:rPr lang="en-US" sz="2200" b="1" dirty="0" err="1"/>
+              <a:rPr lang="en-US" sz="2000" b="1" dirty="0" err="1"/>
               <a:t>Top_Level</a:t>
             </a:r>
             <a:r>
-              <a:rPr lang="en-US" sz="2200" dirty="0"/>
+              <a:rPr lang="en-US" sz="2000" dirty="0"/>
               <a:t> </a:t>
             </a:r>
             <a:r>
-              <a:rPr lang="en-US" sz="2200" dirty="0" err="1"/>
+              <a:rPr lang="en-US" sz="2000" dirty="0" err="1"/>
               <a:t>SmartDesign</a:t>
             </a:r>
-            <a:endParaRPr lang="en-US" sz="2200" dirty="0"/>
+            <a:endParaRPr lang="en-US" sz="2000" dirty="0"/>
           </a:p>
         </p:txBody>
       </p:sp>
@@ -30730,7 +30835,7 @@
               </a:spcAft>
             </a:pPr>
             <a:r>
-              <a:rPr lang="en-US" sz="2200" dirty="0"/>
+              <a:rPr lang="en-US" sz="2000" dirty="0"/>
               <a:t>If no errors, green check mark appears</a:t>
             </a:r>
           </a:p>
@@ -30770,7 +30875,7 @@
               </a:spcAft>
             </a:pPr>
             <a:r>
-              <a:rPr lang="en-US" sz="2200" dirty="0"/>
+              <a:rPr lang="en-US" sz="2000" dirty="0"/>
               <a:t>If no errors, green check mark appears</a:t>
             </a:r>
           </a:p>
@@ -30852,7 +30957,7 @@
               </a:spcAft>
             </a:pPr>
             <a:r>
-              <a:rPr lang="en-US" sz="2200" dirty="0"/>
+              <a:rPr lang="en-US" sz="2000" dirty="0"/>
               <a:t>Take note of the address at the bottom of the data sheet for ADD2_APB_0</a:t>
             </a:r>
           </a:p>
@@ -30959,7 +31064,7 @@
         </p:nvGrpSpPr>
         <p:grpSpPr>
           <a:xfrm>
-            <a:off x="1922836" y="5016489"/>
+            <a:off x="1965699" y="4883556"/>
             <a:ext cx="4214813" cy="1205687"/>
             <a:chOff x="1902430" y="5022056"/>
             <a:chExt cx="4214813" cy="1205687"/>
@@ -31119,7 +31224,7 @@
         <p:spPr>
           <a:xfrm>
             <a:off x="677929" y="1371600"/>
-            <a:ext cx="6133418" cy="5115539"/>
+            <a:ext cx="6908698" cy="5115539"/>
           </a:xfrm>
         </p:spPr>
         <p:txBody>
@@ -31182,7 +31287,7 @@
             </a:r>
             <a:r>
               <a:rPr lang="en-US" dirty="0"/>
-              <a:t> and select workspace</a:t>
+              <a:t> and select your workspace</a:t>
             </a:r>
           </a:p>
           <a:p>
@@ -31217,27 +31322,27 @@
               </a:spcAft>
             </a:pPr>
             <a:r>
-              <a:rPr lang="en-US" sz="2200" dirty="0"/>
+              <a:rPr lang="en-US" sz="2000" dirty="0"/>
               <a:t>Go to </a:t>
             </a:r>
             <a:r>
-              <a:rPr lang="en-US" sz="2200" b="1" dirty="0"/>
+              <a:rPr lang="en-US" sz="2000" b="1" dirty="0"/>
               <a:t>File</a:t>
             </a:r>
             <a:r>
-              <a:rPr lang="en-US" sz="2200" dirty="0"/>
+              <a:rPr lang="en-US" sz="2000" dirty="0"/>
               <a:t> &gt; </a:t>
             </a:r>
             <a:r>
-              <a:rPr lang="en-US" sz="2200" b="1" dirty="0"/>
+              <a:rPr lang="en-US" sz="2000" b="1" dirty="0"/>
               <a:t>Import</a:t>
             </a:r>
             <a:r>
-              <a:rPr lang="en-US" sz="2200" dirty="0"/>
+              <a:rPr lang="en-US" sz="2000" dirty="0"/>
               <a:t> &gt; </a:t>
             </a:r>
             <a:r>
-              <a:rPr lang="en-US" sz="2200" b="1" dirty="0"/>
+              <a:rPr lang="en-US" sz="2000" b="1" dirty="0"/>
               <a:t>Exiting Projects into Workspace</a:t>
             </a:r>
           </a:p>
@@ -31254,11 +31359,11 @@
               </a:spcAft>
             </a:pPr>
             <a:r>
-              <a:rPr lang="en-US" sz="2200" dirty="0"/>
+              <a:rPr lang="en-US" sz="2000" dirty="0"/>
               <a:t>Click </a:t>
             </a:r>
             <a:r>
-              <a:rPr lang="en-US" sz="2200" b="1" dirty="0"/>
+              <a:rPr lang="en-US" sz="2000" b="1" dirty="0"/>
               <a:t>Next</a:t>
             </a:r>
           </a:p>
@@ -31275,22 +31380,22 @@
               </a:spcAft>
             </a:pPr>
             <a:r>
-              <a:rPr lang="en-US" sz="2200" dirty="0"/>
+              <a:rPr lang="en-US" sz="2000" dirty="0"/>
               <a:t>Click </a:t>
             </a:r>
             <a:r>
-              <a:rPr lang="en-US" sz="2200" b="1" dirty="0"/>
+              <a:rPr lang="en-US" sz="2000" b="1" dirty="0"/>
               <a:t>Browse</a:t>
             </a:r>
             <a:r>
-              <a:rPr lang="en-US" sz="2200" dirty="0"/>
+              <a:rPr lang="en-US" sz="2000" dirty="0"/>
               <a:t> and select unzipped folder </a:t>
             </a:r>
             <a:r>
-              <a:rPr lang="en-US" sz="2200" b="1" dirty="0" err="1"/>
+              <a:rPr lang="en-US" sz="2000" b="1" dirty="0" err="1"/>
               <a:t>Creative_MiV_FreeRTOS_Demo</a:t>
             </a:r>
-            <a:endParaRPr lang="en-US" sz="2200" b="1" dirty="0"/>
+            <a:endParaRPr lang="en-US" sz="2000" b="1" dirty="0"/>
           </a:p>
           <a:p>
             <a:pPr marL="1138238" lvl="1" indent="-457200">
@@ -31305,15 +31410,15 @@
               </a:spcAft>
             </a:pPr>
             <a:r>
-              <a:rPr lang="en-US" sz="2200" dirty="0"/>
+              <a:rPr lang="en-US" sz="2000" dirty="0"/>
               <a:t>Check the box for the correct project in </a:t>
             </a:r>
             <a:r>
-              <a:rPr lang="en-US" sz="2200" b="1" dirty="0"/>
+              <a:rPr lang="en-US" sz="2000" b="1" dirty="0"/>
               <a:t>Projects</a:t>
             </a:r>
             <a:r>
-              <a:rPr lang="en-US" sz="2200" dirty="0"/>
+              <a:rPr lang="en-US" sz="2000" dirty="0"/>
               <a:t> (Optional: Copy projects into workspace)</a:t>
             </a:r>
           </a:p>
@@ -31330,14 +31435,14 @@
               </a:spcAft>
             </a:pPr>
             <a:r>
-              <a:rPr lang="en-US" sz="2200" dirty="0"/>
+              <a:rPr lang="en-US" sz="2000" dirty="0"/>
               <a:t>Click </a:t>
             </a:r>
             <a:r>
-              <a:rPr lang="en-US" sz="2200" b="1" dirty="0"/>
+              <a:rPr lang="en-US" sz="2000" b="1" dirty="0"/>
               <a:t>Finish</a:t>
             </a:r>
-            <a:endParaRPr lang="en-US" b="1" dirty="0"/>
+            <a:endParaRPr lang="en-US" sz="1600" b="1" dirty="0"/>
           </a:p>
           <a:p>
             <a:pPr marL="457200" indent="-457200">

--- a/Custom Core from HDL with APB Interface.pptx
+++ b/Custom Core from HDL with APB Interface.pptx
@@ -225,7 +225,7 @@
           <a:p>
             <a:fld id="{FB9A324F-0E12-4249-B222-9A2A35FEBB3B}" type="datetimeFigureOut">
               <a:rPr lang="en-US" smtClean="0"/>
-              <a:t>1/27/2021</a:t>
+              <a:t>2/25/2021</a:t>
             </a:fld>
             <a:endParaRPr lang="en-US"/>
           </a:p>
@@ -9285,7 +9285,7 @@
           <a:p>
             <a:fld id="{02EE89BC-6575-45C3-BF9B-DA9153772B8E}" type="datetimeFigureOut">
               <a:rPr lang="en-US" smtClean="0"/>
-              <a:t>1/27/2021</a:t>
+              <a:t>2/25/2021</a:t>
             </a:fld>
             <a:endParaRPr lang="en-US"/>
           </a:p>
@@ -9492,7 +9492,7 @@
           <a:p>
             <a:fld id="{02EE89BC-6575-45C3-BF9B-DA9153772B8E}" type="datetimeFigureOut">
               <a:rPr lang="en-US" smtClean="0"/>
-              <a:t>1/27/2021</a:t>
+              <a:t>2/25/2021</a:t>
             </a:fld>
             <a:endParaRPr lang="en-US"/>
           </a:p>
@@ -9672,7 +9672,7 @@
           <a:p>
             <a:fld id="{02EE89BC-6575-45C3-BF9B-DA9153772B8E}" type="datetimeFigureOut">
               <a:rPr lang="en-US" smtClean="0"/>
-              <a:t>1/27/2021</a:t>
+              <a:t>2/25/2021</a:t>
             </a:fld>
             <a:endParaRPr lang="en-US"/>
           </a:p>
@@ -9877,7 +9877,7 @@
           <a:p>
             <a:fld id="{02EE89BC-6575-45C3-BF9B-DA9153772B8E}" type="datetimeFigureOut">
               <a:rPr lang="en-US" smtClean="0"/>
-              <a:t>1/27/2021</a:t>
+              <a:t>2/25/2021</a:t>
             </a:fld>
             <a:endParaRPr lang="en-US"/>
           </a:p>
@@ -18775,7 +18775,7 @@
           <a:p>
             <a:fld id="{02EE89BC-6575-45C3-BF9B-DA9153772B8E}" type="datetimeFigureOut">
               <a:rPr lang="en-US" smtClean="0"/>
-              <a:t>1/27/2021</a:t>
+              <a:t>2/25/2021</a:t>
             </a:fld>
             <a:endParaRPr lang="en-US"/>
           </a:p>
@@ -19049,7 +19049,7 @@
           <a:p>
             <a:fld id="{02EE89BC-6575-45C3-BF9B-DA9153772B8E}" type="datetimeFigureOut">
               <a:rPr lang="en-US" smtClean="0"/>
-              <a:t>1/27/2021</a:t>
+              <a:t>2/25/2021</a:t>
             </a:fld>
             <a:endParaRPr lang="en-US"/>
           </a:p>
@@ -19447,7 +19447,7 @@
           <a:p>
             <a:fld id="{02EE89BC-6575-45C3-BF9B-DA9153772B8E}" type="datetimeFigureOut">
               <a:rPr lang="en-US" smtClean="0"/>
-              <a:t>1/27/2021</a:t>
+              <a:t>2/25/2021</a:t>
             </a:fld>
             <a:endParaRPr lang="en-US"/>
           </a:p>
@@ -19565,7 +19565,7 @@
           <a:p>
             <a:fld id="{02EE89BC-6575-45C3-BF9B-DA9153772B8E}" type="datetimeFigureOut">
               <a:rPr lang="en-US" smtClean="0"/>
-              <a:t>1/27/2021</a:t>
+              <a:t>2/25/2021</a:t>
             </a:fld>
             <a:endParaRPr lang="en-US"/>
           </a:p>
@@ -19660,7 +19660,7 @@
           <a:p>
             <a:fld id="{02EE89BC-6575-45C3-BF9B-DA9153772B8E}" type="datetimeFigureOut">
               <a:rPr lang="en-US" smtClean="0"/>
-              <a:t>1/27/2021</a:t>
+              <a:t>2/25/2021</a:t>
             </a:fld>
             <a:endParaRPr lang="en-US"/>
           </a:p>
@@ -19950,7 +19950,7 @@
           <a:p>
             <a:fld id="{02EE89BC-6575-45C3-BF9B-DA9153772B8E}" type="datetimeFigureOut">
               <a:rPr lang="en-US" smtClean="0"/>
-              <a:t>1/27/2021</a:t>
+              <a:t>2/25/2021</a:t>
             </a:fld>
             <a:endParaRPr lang="en-US"/>
           </a:p>
@@ -20230,7 +20230,7 @@
           <a:p>
             <a:fld id="{02EE89BC-6575-45C3-BF9B-DA9153772B8E}" type="datetimeFigureOut">
               <a:rPr lang="en-US" smtClean="0"/>
-              <a:t>1/27/2021</a:t>
+              <a:t>2/25/2021</a:t>
             </a:fld>
             <a:endParaRPr lang="en-US"/>
           </a:p>
@@ -20483,7 +20483,7 @@
           <a:p>
             <a:fld id="{02EE89BC-6575-45C3-BF9B-DA9153772B8E}" type="datetimeFigureOut">
               <a:rPr lang="en-US" smtClean="0"/>
-              <a:t>1/27/2021</a:t>
+              <a:t>2/25/2021</a:t>
             </a:fld>
             <a:endParaRPr lang="en-US"/>
           </a:p>
@@ -21063,19 +21063,7 @@
               <a:rPr lang="en-US" sz="3600" dirty="0">
                 <a:latin typeface="+mj-lt"/>
               </a:rPr>
-              <a:t>Tutorial 3</a:t>
-            </a:r>
-            <a:r>
-              <a:rPr lang="en-US" sz="3600">
-                <a:latin typeface="+mj-lt"/>
-              </a:rPr>
-              <a:t>: Custom </a:t>
-            </a:r>
-            <a:r>
-              <a:rPr lang="en-US" sz="3600" dirty="0">
-                <a:latin typeface="+mj-lt"/>
-              </a:rPr>
-              <a:t>Core from HDL with APB Bus Interface</a:t>
+              <a:t>Tutorial 4: Custom Core from HDL with APB Bus Interface</a:t>
             </a:r>
           </a:p>
         </p:txBody>
